--- a/design/2016/models/Orientation_correction_running.pptx
+++ b/design/2016/models/Orientation_correction_running.pptx
@@ -6,6 +6,8 @@
   </p:sldMasterIdLst>
   <p:sldIdLst>
     <p:sldId id="256" r:id="rId2"/>
+    <p:sldId id="257" r:id="rId3"/>
+    <p:sldId id="258" r:id="rId4"/>
   </p:sldIdLst>
   <p:sldSz cx="12192000" cy="6858000"/>
   <p:notesSz cx="6858000" cy="9144000"/>
@@ -104,6 +106,11 @@
       </a:defRPr>
     </a:lvl9pPr>
   </p:defaultTextStyle>
+  <p:extLst>
+    <p:ext uri="{EFAFB233-063F-42B5-8137-9DF3F51BA10A}">
+      <p15:sldGuideLst xmlns:p15="http://schemas.microsoft.com/office/powerpoint/2012/main"/>
+    </p:ext>
+  </p:extLst>
 </p:presentation>
 </file>
 
@@ -238,7 +245,7 @@
           <a:p>
             <a:fld id="{B5420AFE-D66F-49FF-8B0B-00F564CE32BC}" type="datetimeFigureOut">
               <a:rPr kumimoji="1" lang="ja-JP" altLang="en-US" smtClean="0"/>
-              <a:t>2016/8/14</a:t>
+              <a:t>2016/8/17</a:t>
             </a:fld>
             <a:endParaRPr kumimoji="1" lang="ja-JP" altLang="en-US"/>
           </a:p>
@@ -440,7 +447,7 @@
           <a:p>
             <a:fld id="{B5420AFE-D66F-49FF-8B0B-00F564CE32BC}" type="datetimeFigureOut">
               <a:rPr kumimoji="1" lang="ja-JP" altLang="en-US" smtClean="0"/>
-              <a:t>2016/8/14</a:t>
+              <a:t>2016/8/17</a:t>
             </a:fld>
             <a:endParaRPr kumimoji="1" lang="ja-JP" altLang="en-US"/>
           </a:p>
@@ -652,7 +659,7 @@
           <a:p>
             <a:fld id="{B5420AFE-D66F-49FF-8B0B-00F564CE32BC}" type="datetimeFigureOut">
               <a:rPr kumimoji="1" lang="ja-JP" altLang="en-US" smtClean="0"/>
-              <a:t>2016/8/14</a:t>
+              <a:t>2016/8/17</a:t>
             </a:fld>
             <a:endParaRPr kumimoji="1" lang="ja-JP" altLang="en-US"/>
           </a:p>
@@ -854,7 +861,7 @@
           <a:p>
             <a:fld id="{B5420AFE-D66F-49FF-8B0B-00F564CE32BC}" type="datetimeFigureOut">
               <a:rPr kumimoji="1" lang="ja-JP" altLang="en-US" smtClean="0"/>
-              <a:t>2016/8/14</a:t>
+              <a:t>2016/8/17</a:t>
             </a:fld>
             <a:endParaRPr kumimoji="1" lang="ja-JP" altLang="en-US"/>
           </a:p>
@@ -1100,7 +1107,7 @@
           <a:p>
             <a:fld id="{B5420AFE-D66F-49FF-8B0B-00F564CE32BC}" type="datetimeFigureOut">
               <a:rPr kumimoji="1" lang="ja-JP" altLang="en-US" smtClean="0"/>
-              <a:t>2016/8/14</a:t>
+              <a:t>2016/8/17</a:t>
             </a:fld>
             <a:endParaRPr kumimoji="1" lang="ja-JP" altLang="en-US"/>
           </a:p>
@@ -1396,7 +1403,7 @@
           <a:p>
             <a:fld id="{B5420AFE-D66F-49FF-8B0B-00F564CE32BC}" type="datetimeFigureOut">
               <a:rPr kumimoji="1" lang="ja-JP" altLang="en-US" smtClean="0"/>
-              <a:t>2016/8/14</a:t>
+              <a:t>2016/8/17</a:t>
             </a:fld>
             <a:endParaRPr kumimoji="1" lang="ja-JP" altLang="en-US"/>
           </a:p>
@@ -1827,7 +1834,7 @@
           <a:p>
             <a:fld id="{B5420AFE-D66F-49FF-8B0B-00F564CE32BC}" type="datetimeFigureOut">
               <a:rPr kumimoji="1" lang="ja-JP" altLang="en-US" smtClean="0"/>
-              <a:t>2016/8/14</a:t>
+              <a:t>2016/8/17</a:t>
             </a:fld>
             <a:endParaRPr kumimoji="1" lang="ja-JP" altLang="en-US"/>
           </a:p>
@@ -1945,7 +1952,7 @@
           <a:p>
             <a:fld id="{B5420AFE-D66F-49FF-8B0B-00F564CE32BC}" type="datetimeFigureOut">
               <a:rPr kumimoji="1" lang="ja-JP" altLang="en-US" smtClean="0"/>
-              <a:t>2016/8/14</a:t>
+              <a:t>2016/8/17</a:t>
             </a:fld>
             <a:endParaRPr kumimoji="1" lang="ja-JP" altLang="en-US"/>
           </a:p>
@@ -2040,7 +2047,7 @@
           <a:p>
             <a:fld id="{B5420AFE-D66F-49FF-8B0B-00F564CE32BC}" type="datetimeFigureOut">
               <a:rPr kumimoji="1" lang="ja-JP" altLang="en-US" smtClean="0"/>
-              <a:t>2016/8/14</a:t>
+              <a:t>2016/8/17</a:t>
             </a:fld>
             <a:endParaRPr kumimoji="1" lang="ja-JP" altLang="en-US"/>
           </a:p>
@@ -2349,7 +2356,7 @@
           <a:p>
             <a:fld id="{B5420AFE-D66F-49FF-8B0B-00F564CE32BC}" type="datetimeFigureOut">
               <a:rPr kumimoji="1" lang="ja-JP" altLang="en-US" smtClean="0"/>
-              <a:t>2016/8/14</a:t>
+              <a:t>2016/8/17</a:t>
             </a:fld>
             <a:endParaRPr kumimoji="1" lang="ja-JP" altLang="en-US"/>
           </a:p>
@@ -2602,7 +2609,7 @@
           <a:p>
             <a:fld id="{B5420AFE-D66F-49FF-8B0B-00F564CE32BC}" type="datetimeFigureOut">
               <a:rPr kumimoji="1" lang="ja-JP" altLang="en-US" smtClean="0"/>
-              <a:t>2016/8/14</a:t>
+              <a:t>2016/8/17</a:t>
             </a:fld>
             <a:endParaRPr kumimoji="1" lang="ja-JP" altLang="en-US"/>
           </a:p>
@@ -2847,7 +2854,7 @@
           <a:p>
             <a:fld id="{B5420AFE-D66F-49FF-8B0B-00F564CE32BC}" type="datetimeFigureOut">
               <a:rPr kumimoji="1" lang="ja-JP" altLang="en-US" smtClean="0"/>
-              <a:t>2016/8/14</a:t>
+              <a:t>2016/8/17</a:t>
             </a:fld>
             <a:endParaRPr kumimoji="1" lang="ja-JP" altLang="en-US"/>
           </a:p>
@@ -4726,6 +4733,3185 @@
 </p:sld>
 </file>
 
+<file path=ppt/slides/slide2.xml><?xml version="1.0" encoding="utf-8"?>
+<p:sld xmlns:a="http://schemas.openxmlformats.org/drawingml/2006/main" xmlns:r="http://schemas.openxmlformats.org/officeDocument/2006/relationships" xmlns:p="http://schemas.openxmlformats.org/presentationml/2006/main">
+  <p:cSld>
+    <p:spTree>
+      <p:nvGrpSpPr>
+        <p:cNvPr id="1" name=""/>
+        <p:cNvGrpSpPr/>
+        <p:nvPr/>
+      </p:nvGrpSpPr>
+      <p:grpSpPr>
+        <a:xfrm>
+          <a:off x="0" y="0"/>
+          <a:ext cx="0" cy="0"/>
+          <a:chOff x="0" y="0"/>
+          <a:chExt cx="0" cy="0"/>
+        </a:xfrm>
+      </p:grpSpPr>
+      <p:grpSp>
+        <p:nvGrpSpPr>
+          <p:cNvPr id="44" name="グループ化 43"/>
+          <p:cNvGrpSpPr/>
+          <p:nvPr/>
+        </p:nvGrpSpPr>
+        <p:grpSpPr>
+          <a:xfrm rot="10800000">
+            <a:off x="1715883" y="3178823"/>
+            <a:ext cx="1278537" cy="1161677"/>
+            <a:chOff x="5476401" y="2958805"/>
+            <a:chExt cx="578693" cy="525800"/>
+          </a:xfrm>
+        </p:grpSpPr>
+        <p:sp>
+          <p:nvSpPr>
+            <p:cNvPr id="45" name="角丸四角形 44"/>
+            <p:cNvSpPr/>
+            <p:nvPr/>
+          </p:nvSpPr>
+          <p:spPr>
+            <a:xfrm>
+              <a:off x="5476401" y="3079716"/>
+              <a:ext cx="71783" cy="283978"/>
+            </a:xfrm>
+            <a:prstGeom prst="roundRect">
+              <a:avLst>
+                <a:gd name="adj" fmla="val 50000"/>
+              </a:avLst>
+            </a:prstGeom>
+            <a:solidFill>
+              <a:schemeClr val="bg2">
+                <a:lumMod val="50000"/>
+              </a:schemeClr>
+            </a:solidFill>
+            <a:ln>
+              <a:solidFill>
+                <a:schemeClr val="tx1"/>
+              </a:solidFill>
+            </a:ln>
+          </p:spPr>
+          <p:style>
+            <a:lnRef idx="2">
+              <a:schemeClr val="accent1">
+                <a:shade val="50000"/>
+              </a:schemeClr>
+            </a:lnRef>
+            <a:fillRef idx="1">
+              <a:schemeClr val="accent1"/>
+            </a:fillRef>
+            <a:effectRef idx="0">
+              <a:schemeClr val="accent1"/>
+            </a:effectRef>
+            <a:fontRef idx="minor">
+              <a:schemeClr val="lt1"/>
+            </a:fontRef>
+          </p:style>
+          <p:txBody>
+            <a:bodyPr rtlCol="0" anchor="ctr"/>
+            <a:lstStyle/>
+            <a:p>
+              <a:pPr algn="ctr"/>
+              <a:endParaRPr kumimoji="1" lang="ja-JP" altLang="en-US" dirty="0">
+                <a:latin typeface="メイリオ" panose="020B0604030504040204" pitchFamily="50" charset="-128"/>
+                <a:ea typeface="メイリオ" panose="020B0604030504040204" pitchFamily="50" charset="-128"/>
+                <a:cs typeface="メイリオ" panose="020B0604030504040204" pitchFamily="50" charset="-128"/>
+              </a:endParaRPr>
+            </a:p>
+          </p:txBody>
+        </p:sp>
+        <p:sp>
+          <p:nvSpPr>
+            <p:cNvPr id="46" name="正方形/長方形 45"/>
+            <p:cNvSpPr/>
+            <p:nvPr/>
+          </p:nvSpPr>
+          <p:spPr>
+            <a:xfrm>
+              <a:off x="5548184" y="2958805"/>
+              <a:ext cx="432486" cy="525800"/>
+            </a:xfrm>
+            <a:prstGeom prst="rect">
+              <a:avLst/>
+            </a:prstGeom>
+            <a:solidFill>
+              <a:schemeClr val="bg2"/>
+            </a:solidFill>
+            <a:ln>
+              <a:solidFill>
+                <a:schemeClr val="tx1"/>
+              </a:solidFill>
+            </a:ln>
+          </p:spPr>
+          <p:style>
+            <a:lnRef idx="2">
+              <a:schemeClr val="accent1">
+                <a:shade val="50000"/>
+              </a:schemeClr>
+            </a:lnRef>
+            <a:fillRef idx="1">
+              <a:schemeClr val="accent1"/>
+            </a:fillRef>
+            <a:effectRef idx="0">
+              <a:schemeClr val="accent1"/>
+            </a:effectRef>
+            <a:fontRef idx="minor">
+              <a:schemeClr val="lt1"/>
+            </a:fontRef>
+          </p:style>
+          <p:txBody>
+            <a:bodyPr rtlCol="0" anchor="ctr"/>
+            <a:lstStyle/>
+            <a:p>
+              <a:pPr algn="ctr"/>
+              <a:endParaRPr kumimoji="1" lang="ja-JP" altLang="en-US">
+                <a:latin typeface="メイリオ" panose="020B0604030504040204" pitchFamily="50" charset="-128"/>
+                <a:ea typeface="メイリオ" panose="020B0604030504040204" pitchFamily="50" charset="-128"/>
+                <a:cs typeface="メイリオ" panose="020B0604030504040204" pitchFamily="50" charset="-128"/>
+              </a:endParaRPr>
+            </a:p>
+          </p:txBody>
+        </p:sp>
+        <p:sp>
+          <p:nvSpPr>
+            <p:cNvPr id="47" name="角丸四角形 46"/>
+            <p:cNvSpPr/>
+            <p:nvPr/>
+          </p:nvSpPr>
+          <p:spPr>
+            <a:xfrm>
+              <a:off x="5983311" y="3079716"/>
+              <a:ext cx="71783" cy="283978"/>
+            </a:xfrm>
+            <a:prstGeom prst="roundRect">
+              <a:avLst>
+                <a:gd name="adj" fmla="val 50000"/>
+              </a:avLst>
+            </a:prstGeom>
+            <a:solidFill>
+              <a:schemeClr val="bg2">
+                <a:lumMod val="50000"/>
+              </a:schemeClr>
+            </a:solidFill>
+            <a:ln>
+              <a:solidFill>
+                <a:schemeClr val="tx1"/>
+              </a:solidFill>
+            </a:ln>
+          </p:spPr>
+          <p:style>
+            <a:lnRef idx="2">
+              <a:schemeClr val="accent1">
+                <a:shade val="50000"/>
+              </a:schemeClr>
+            </a:lnRef>
+            <a:fillRef idx="1">
+              <a:schemeClr val="accent1"/>
+            </a:fillRef>
+            <a:effectRef idx="0">
+              <a:schemeClr val="accent1"/>
+            </a:effectRef>
+            <a:fontRef idx="minor">
+              <a:schemeClr val="lt1"/>
+            </a:fontRef>
+          </p:style>
+          <p:txBody>
+            <a:bodyPr rtlCol="0" anchor="ctr"/>
+            <a:lstStyle/>
+            <a:p>
+              <a:pPr algn="ctr"/>
+              <a:endParaRPr kumimoji="1" lang="ja-JP" altLang="en-US" dirty="0">
+                <a:latin typeface="メイリオ" panose="020B0604030504040204" pitchFamily="50" charset="-128"/>
+                <a:ea typeface="メイリオ" panose="020B0604030504040204" pitchFamily="50" charset="-128"/>
+                <a:cs typeface="メイリオ" panose="020B0604030504040204" pitchFamily="50" charset="-128"/>
+              </a:endParaRPr>
+            </a:p>
+          </p:txBody>
+        </p:sp>
+      </p:grpSp>
+      <p:sp>
+        <p:nvSpPr>
+          <p:cNvPr id="2" name="テキスト ボックス 1"/>
+          <p:cNvSpPr txBox="1"/>
+          <p:nvPr/>
+        </p:nvSpPr>
+        <p:spPr>
+          <a:xfrm>
+            <a:off x="566352" y="2663632"/>
+            <a:ext cx="3416320" cy="523220"/>
+          </a:xfrm>
+          <a:prstGeom prst="rect">
+            <a:avLst/>
+          </a:prstGeom>
+          <a:noFill/>
+        </p:spPr>
+        <p:txBody>
+          <a:bodyPr wrap="none" rtlCol="0">
+            <a:spAutoFit/>
+          </a:bodyPr>
+          <a:lstStyle/>
+          <a:p>
+            <a:r>
+              <a:rPr kumimoji="1" lang="ja-JP" altLang="en-US" sz="1400" dirty="0" smtClean="0">
+                <a:latin typeface="メイリオ" panose="020B0604030504040204" pitchFamily="50" charset="-128"/>
+                <a:ea typeface="メイリオ" panose="020B0604030504040204" pitchFamily="50" charset="-128"/>
+                <a:cs typeface="メイリオ" panose="020B0604030504040204" pitchFamily="50" charset="-128"/>
+              </a:rPr>
+              <a:t>同じ出力</a:t>
+            </a:r>
+            <a:r>
+              <a:rPr lang="ja-JP" altLang="en-US" sz="1400" dirty="0" smtClean="0">
+                <a:latin typeface="メイリオ" panose="020B0604030504040204" pitchFamily="50" charset="-128"/>
+                <a:ea typeface="メイリオ" panose="020B0604030504040204" pitchFamily="50" charset="-128"/>
+                <a:cs typeface="メイリオ" panose="020B0604030504040204" pitchFamily="50" charset="-128"/>
+              </a:rPr>
+              <a:t>、同じ時間で回転させても</a:t>
+            </a:r>
+            <a:endParaRPr lang="en-US" altLang="ja-JP" sz="1400" dirty="0">
+              <a:latin typeface="メイリオ" panose="020B0604030504040204" pitchFamily="50" charset="-128"/>
+              <a:ea typeface="メイリオ" panose="020B0604030504040204" pitchFamily="50" charset="-128"/>
+              <a:cs typeface="メイリオ" panose="020B0604030504040204" pitchFamily="50" charset="-128"/>
+            </a:endParaRPr>
+          </a:p>
+          <a:p>
+            <a:r>
+              <a:rPr kumimoji="1" lang="ja-JP" altLang="en-US" sz="1400" dirty="0" smtClean="0">
+                <a:latin typeface="メイリオ" panose="020B0604030504040204" pitchFamily="50" charset="-128"/>
+                <a:ea typeface="メイリオ" panose="020B0604030504040204" pitchFamily="50" charset="-128"/>
+                <a:cs typeface="メイリオ" panose="020B0604030504040204" pitchFamily="50" charset="-128"/>
+              </a:rPr>
+              <a:t>タイヤの回転角に差が生じる場合がある</a:t>
+            </a:r>
+            <a:endParaRPr kumimoji="1" lang="ja-JP" altLang="en-US" sz="1400" dirty="0">
+              <a:latin typeface="メイリオ" panose="020B0604030504040204" pitchFamily="50" charset="-128"/>
+              <a:ea typeface="メイリオ" panose="020B0604030504040204" pitchFamily="50" charset="-128"/>
+              <a:cs typeface="メイリオ" panose="020B0604030504040204" pitchFamily="50" charset="-128"/>
+            </a:endParaRPr>
+          </a:p>
+        </p:txBody>
+      </p:sp>
+      <p:sp>
+        <p:nvSpPr>
+          <p:cNvPr id="3" name="四角形吹き出し 2"/>
+          <p:cNvSpPr/>
+          <p:nvPr/>
+        </p:nvSpPr>
+        <p:spPr>
+          <a:xfrm>
+            <a:off x="3156218" y="3878983"/>
+            <a:ext cx="1151097" cy="336236"/>
+          </a:xfrm>
+          <a:prstGeom prst="wedgeRectCallout">
+            <a:avLst>
+              <a:gd name="adj1" fmla="val -59891"/>
+              <a:gd name="adj2" fmla="val -75913"/>
+            </a:avLst>
+          </a:prstGeom>
+          <a:solidFill>
+            <a:schemeClr val="bg1"/>
+          </a:solidFill>
+        </p:spPr>
+        <p:style>
+          <a:lnRef idx="2">
+            <a:schemeClr val="accent1">
+              <a:shade val="50000"/>
+            </a:schemeClr>
+          </a:lnRef>
+          <a:fillRef idx="1">
+            <a:schemeClr val="accent1"/>
+          </a:fillRef>
+          <a:effectRef idx="0">
+            <a:schemeClr val="accent1"/>
+          </a:effectRef>
+          <a:fontRef idx="minor">
+            <a:schemeClr val="lt1"/>
+          </a:fontRef>
+        </p:style>
+        <p:txBody>
+          <a:bodyPr rtlCol="0" anchor="ctr"/>
+          <a:lstStyle/>
+          <a:p>
+            <a:pPr algn="ctr"/>
+            <a:r>
+              <a:rPr lang="ja-JP" altLang="en-US" sz="1200" dirty="0" smtClean="0">
+                <a:solidFill>
+                  <a:schemeClr val="tx1"/>
+                </a:solidFill>
+                <a:latin typeface="メイリオ" panose="020B0604030504040204" pitchFamily="50" charset="-128"/>
+                <a:ea typeface="メイリオ" panose="020B0604030504040204" pitchFamily="50" charset="-128"/>
+                <a:cs typeface="メイリオ" panose="020B0604030504040204" pitchFamily="50" charset="-128"/>
+              </a:rPr>
+              <a:t>回転角：</a:t>
+            </a:r>
+            <a:r>
+              <a:rPr lang="en-US" altLang="ja-JP" sz="1200" dirty="0" smtClean="0">
+                <a:solidFill>
+                  <a:schemeClr val="tx1"/>
+                </a:solidFill>
+                <a:latin typeface="メイリオ" panose="020B0604030504040204" pitchFamily="50" charset="-128"/>
+                <a:ea typeface="メイリオ" panose="020B0604030504040204" pitchFamily="50" charset="-128"/>
+                <a:cs typeface="メイリオ" panose="020B0604030504040204" pitchFamily="50" charset="-128"/>
+              </a:rPr>
+              <a:t>70</a:t>
+            </a:r>
+            <a:endParaRPr kumimoji="1" lang="ja-JP" altLang="en-US" sz="1200" dirty="0">
+              <a:solidFill>
+                <a:schemeClr val="tx1"/>
+              </a:solidFill>
+              <a:latin typeface="メイリオ" panose="020B0604030504040204" pitchFamily="50" charset="-128"/>
+              <a:ea typeface="メイリオ" panose="020B0604030504040204" pitchFamily="50" charset="-128"/>
+              <a:cs typeface="メイリオ" panose="020B0604030504040204" pitchFamily="50" charset="-128"/>
+            </a:endParaRPr>
+          </a:p>
+        </p:txBody>
+      </p:sp>
+      <p:sp>
+        <p:nvSpPr>
+          <p:cNvPr id="48" name="四角形吹き出し 47"/>
+          <p:cNvSpPr/>
+          <p:nvPr/>
+        </p:nvSpPr>
+        <p:spPr>
+          <a:xfrm>
+            <a:off x="524534" y="3947154"/>
+            <a:ext cx="1061986" cy="336236"/>
+          </a:xfrm>
+          <a:prstGeom prst="wedgeRectCallout">
+            <a:avLst>
+              <a:gd name="adj1" fmla="val 59878"/>
+              <a:gd name="adj2" fmla="val -97765"/>
+            </a:avLst>
+          </a:prstGeom>
+          <a:solidFill>
+            <a:schemeClr val="bg1"/>
+          </a:solidFill>
+        </p:spPr>
+        <p:style>
+          <a:lnRef idx="2">
+            <a:schemeClr val="accent1">
+              <a:shade val="50000"/>
+            </a:schemeClr>
+          </a:lnRef>
+          <a:fillRef idx="1">
+            <a:schemeClr val="accent1"/>
+          </a:fillRef>
+          <a:effectRef idx="0">
+            <a:schemeClr val="accent1"/>
+          </a:effectRef>
+          <a:fontRef idx="minor">
+            <a:schemeClr val="lt1"/>
+          </a:fontRef>
+        </p:style>
+        <p:txBody>
+          <a:bodyPr rtlCol="0" anchor="ctr"/>
+          <a:lstStyle/>
+          <a:p>
+            <a:pPr algn="ctr"/>
+            <a:r>
+              <a:rPr lang="ja-JP" altLang="en-US" sz="1200" dirty="0" smtClean="0">
+                <a:solidFill>
+                  <a:schemeClr val="tx1"/>
+                </a:solidFill>
+                <a:latin typeface="メイリオ" panose="020B0604030504040204" pitchFamily="50" charset="-128"/>
+                <a:ea typeface="メイリオ" panose="020B0604030504040204" pitchFamily="50" charset="-128"/>
+                <a:cs typeface="メイリオ" panose="020B0604030504040204" pitchFamily="50" charset="-128"/>
+              </a:rPr>
+              <a:t>回転角：</a:t>
+            </a:r>
+            <a:r>
+              <a:rPr lang="en-US" altLang="ja-JP" sz="1200" dirty="0">
+                <a:solidFill>
+                  <a:schemeClr val="tx1"/>
+                </a:solidFill>
+                <a:latin typeface="メイリオ" panose="020B0604030504040204" pitchFamily="50" charset="-128"/>
+                <a:ea typeface="メイリオ" panose="020B0604030504040204" pitchFamily="50" charset="-128"/>
+                <a:cs typeface="メイリオ" panose="020B0604030504040204" pitchFamily="50" charset="-128"/>
+              </a:rPr>
+              <a:t>69</a:t>
+            </a:r>
+            <a:endParaRPr kumimoji="1" lang="ja-JP" altLang="en-US" sz="1200" dirty="0">
+              <a:solidFill>
+                <a:schemeClr val="tx1"/>
+              </a:solidFill>
+              <a:latin typeface="メイリオ" panose="020B0604030504040204" pitchFamily="50" charset="-128"/>
+              <a:ea typeface="メイリオ" panose="020B0604030504040204" pitchFamily="50" charset="-128"/>
+              <a:cs typeface="メイリオ" panose="020B0604030504040204" pitchFamily="50" charset="-128"/>
+            </a:endParaRPr>
+          </a:p>
+        </p:txBody>
+      </p:sp>
+      <p:cxnSp>
+        <p:nvCxnSpPr>
+          <p:cNvPr id="56" name="直線コネクタ 55"/>
+          <p:cNvCxnSpPr/>
+          <p:nvPr/>
+        </p:nvCxnSpPr>
+        <p:spPr>
+          <a:xfrm>
+            <a:off x="6999899" y="108818"/>
+            <a:ext cx="0" cy="2443479"/>
+          </a:xfrm>
+          <a:prstGeom prst="line">
+            <a:avLst/>
+          </a:prstGeom>
+          <a:ln w="241300">
+            <a:solidFill>
+              <a:schemeClr val="tx1"/>
+            </a:solidFill>
+          </a:ln>
+        </p:spPr>
+        <p:style>
+          <a:lnRef idx="1">
+            <a:schemeClr val="accent1"/>
+          </a:lnRef>
+          <a:fillRef idx="0">
+            <a:schemeClr val="accent1"/>
+          </a:fillRef>
+          <a:effectRef idx="0">
+            <a:schemeClr val="accent1"/>
+          </a:effectRef>
+          <a:fontRef idx="minor">
+            <a:schemeClr val="tx1"/>
+          </a:fontRef>
+        </p:style>
+      </p:cxnSp>
+      <p:grpSp>
+        <p:nvGrpSpPr>
+          <p:cNvPr id="59" name="グループ化 58"/>
+          <p:cNvGrpSpPr/>
+          <p:nvPr/>
+        </p:nvGrpSpPr>
+        <p:grpSpPr>
+          <a:xfrm rot="10800000">
+            <a:off x="6352646" y="2030700"/>
+            <a:ext cx="1278537" cy="1161677"/>
+            <a:chOff x="5476401" y="2958805"/>
+            <a:chExt cx="578693" cy="525800"/>
+          </a:xfrm>
+        </p:grpSpPr>
+        <p:sp>
+          <p:nvSpPr>
+            <p:cNvPr id="60" name="角丸四角形 59"/>
+            <p:cNvSpPr/>
+            <p:nvPr/>
+          </p:nvSpPr>
+          <p:spPr>
+            <a:xfrm>
+              <a:off x="5476401" y="3079716"/>
+              <a:ext cx="71783" cy="283978"/>
+            </a:xfrm>
+            <a:prstGeom prst="roundRect">
+              <a:avLst>
+                <a:gd name="adj" fmla="val 50000"/>
+              </a:avLst>
+            </a:prstGeom>
+            <a:solidFill>
+              <a:schemeClr val="bg2">
+                <a:lumMod val="50000"/>
+              </a:schemeClr>
+            </a:solidFill>
+            <a:ln>
+              <a:solidFill>
+                <a:schemeClr val="tx1"/>
+              </a:solidFill>
+            </a:ln>
+          </p:spPr>
+          <p:style>
+            <a:lnRef idx="2">
+              <a:schemeClr val="accent1">
+                <a:shade val="50000"/>
+              </a:schemeClr>
+            </a:lnRef>
+            <a:fillRef idx="1">
+              <a:schemeClr val="accent1"/>
+            </a:fillRef>
+            <a:effectRef idx="0">
+              <a:schemeClr val="accent1"/>
+            </a:effectRef>
+            <a:fontRef idx="minor">
+              <a:schemeClr val="lt1"/>
+            </a:fontRef>
+          </p:style>
+          <p:txBody>
+            <a:bodyPr rtlCol="0" anchor="ctr"/>
+            <a:lstStyle/>
+            <a:p>
+              <a:pPr algn="ctr"/>
+              <a:endParaRPr kumimoji="1" lang="ja-JP" altLang="en-US" dirty="0">
+                <a:latin typeface="メイリオ" panose="020B0604030504040204" pitchFamily="50" charset="-128"/>
+                <a:ea typeface="メイリオ" panose="020B0604030504040204" pitchFamily="50" charset="-128"/>
+                <a:cs typeface="メイリオ" panose="020B0604030504040204" pitchFamily="50" charset="-128"/>
+              </a:endParaRPr>
+            </a:p>
+          </p:txBody>
+        </p:sp>
+        <p:sp>
+          <p:nvSpPr>
+            <p:cNvPr id="61" name="正方形/長方形 60"/>
+            <p:cNvSpPr/>
+            <p:nvPr/>
+          </p:nvSpPr>
+          <p:spPr>
+            <a:xfrm>
+              <a:off x="5548184" y="2958805"/>
+              <a:ext cx="432486" cy="525800"/>
+            </a:xfrm>
+            <a:prstGeom prst="rect">
+              <a:avLst/>
+            </a:prstGeom>
+            <a:solidFill>
+              <a:schemeClr val="bg2"/>
+            </a:solidFill>
+            <a:ln>
+              <a:solidFill>
+                <a:schemeClr val="tx1"/>
+              </a:solidFill>
+            </a:ln>
+          </p:spPr>
+          <p:style>
+            <a:lnRef idx="2">
+              <a:schemeClr val="accent1">
+                <a:shade val="50000"/>
+              </a:schemeClr>
+            </a:lnRef>
+            <a:fillRef idx="1">
+              <a:schemeClr val="accent1"/>
+            </a:fillRef>
+            <a:effectRef idx="0">
+              <a:schemeClr val="accent1"/>
+            </a:effectRef>
+            <a:fontRef idx="minor">
+              <a:schemeClr val="lt1"/>
+            </a:fontRef>
+          </p:style>
+          <p:txBody>
+            <a:bodyPr rtlCol="0" anchor="ctr"/>
+            <a:lstStyle/>
+            <a:p>
+              <a:pPr algn="ctr"/>
+              <a:endParaRPr kumimoji="1" lang="ja-JP" altLang="en-US">
+                <a:latin typeface="メイリオ" panose="020B0604030504040204" pitchFamily="50" charset="-128"/>
+                <a:ea typeface="メイリオ" panose="020B0604030504040204" pitchFamily="50" charset="-128"/>
+                <a:cs typeface="メイリオ" panose="020B0604030504040204" pitchFamily="50" charset="-128"/>
+              </a:endParaRPr>
+            </a:p>
+          </p:txBody>
+        </p:sp>
+        <p:sp>
+          <p:nvSpPr>
+            <p:cNvPr id="62" name="角丸四角形 61"/>
+            <p:cNvSpPr/>
+            <p:nvPr/>
+          </p:nvSpPr>
+          <p:spPr>
+            <a:xfrm>
+              <a:off x="5983311" y="3079716"/>
+              <a:ext cx="71783" cy="283978"/>
+            </a:xfrm>
+            <a:prstGeom prst="roundRect">
+              <a:avLst>
+                <a:gd name="adj" fmla="val 50000"/>
+              </a:avLst>
+            </a:prstGeom>
+            <a:solidFill>
+              <a:schemeClr val="bg2">
+                <a:lumMod val="50000"/>
+              </a:schemeClr>
+            </a:solidFill>
+            <a:ln>
+              <a:solidFill>
+                <a:schemeClr val="tx1"/>
+              </a:solidFill>
+            </a:ln>
+          </p:spPr>
+          <p:style>
+            <a:lnRef idx="2">
+              <a:schemeClr val="accent1">
+                <a:shade val="50000"/>
+              </a:schemeClr>
+            </a:lnRef>
+            <a:fillRef idx="1">
+              <a:schemeClr val="accent1"/>
+            </a:fillRef>
+            <a:effectRef idx="0">
+              <a:schemeClr val="accent1"/>
+            </a:effectRef>
+            <a:fontRef idx="minor">
+              <a:schemeClr val="lt1"/>
+            </a:fontRef>
+          </p:style>
+          <p:txBody>
+            <a:bodyPr rtlCol="0" anchor="ctr"/>
+            <a:lstStyle/>
+            <a:p>
+              <a:pPr algn="ctr"/>
+              <a:endParaRPr kumimoji="1" lang="ja-JP" altLang="en-US" dirty="0">
+                <a:latin typeface="メイリオ" panose="020B0604030504040204" pitchFamily="50" charset="-128"/>
+                <a:ea typeface="メイリオ" panose="020B0604030504040204" pitchFamily="50" charset="-128"/>
+                <a:cs typeface="メイリオ" panose="020B0604030504040204" pitchFamily="50" charset="-128"/>
+              </a:endParaRPr>
+            </a:p>
+          </p:txBody>
+        </p:sp>
+      </p:grpSp>
+      <p:cxnSp>
+        <p:nvCxnSpPr>
+          <p:cNvPr id="63" name="直線矢印コネクタ 62"/>
+          <p:cNvCxnSpPr/>
+          <p:nvPr/>
+        </p:nvCxnSpPr>
+        <p:spPr>
+          <a:xfrm flipV="1">
+            <a:off x="7013820" y="108818"/>
+            <a:ext cx="0" cy="1921882"/>
+          </a:xfrm>
+          <a:prstGeom prst="straightConnector1">
+            <a:avLst/>
+          </a:prstGeom>
+          <a:ln w="88900">
+            <a:solidFill>
+              <a:schemeClr val="accent4"/>
+            </a:solidFill>
+            <a:tailEnd type="triangle"/>
+          </a:ln>
+        </p:spPr>
+        <p:style>
+          <a:lnRef idx="1">
+            <a:schemeClr val="accent1"/>
+          </a:lnRef>
+          <a:fillRef idx="0">
+            <a:schemeClr val="accent1"/>
+          </a:fillRef>
+          <a:effectRef idx="0">
+            <a:schemeClr val="accent1"/>
+          </a:effectRef>
+          <a:fontRef idx="minor">
+            <a:schemeClr val="tx1"/>
+          </a:fontRef>
+        </p:style>
+      </p:cxnSp>
+      <p:cxnSp>
+        <p:nvCxnSpPr>
+          <p:cNvPr id="64" name="直線矢印コネクタ 63"/>
+          <p:cNvCxnSpPr/>
+          <p:nvPr/>
+        </p:nvCxnSpPr>
+        <p:spPr>
+          <a:xfrm flipH="1" flipV="1">
+            <a:off x="6704942" y="108818"/>
+            <a:ext cx="308879" cy="1921882"/>
+          </a:xfrm>
+          <a:prstGeom prst="straightConnector1">
+            <a:avLst/>
+          </a:prstGeom>
+          <a:ln w="88900">
+            <a:solidFill>
+              <a:srgbClr val="00B0F0"/>
+            </a:solidFill>
+            <a:tailEnd type="triangle"/>
+          </a:ln>
+        </p:spPr>
+        <p:style>
+          <a:lnRef idx="1">
+            <a:schemeClr val="accent1"/>
+          </a:lnRef>
+          <a:fillRef idx="0">
+            <a:schemeClr val="accent1"/>
+          </a:fillRef>
+          <a:effectRef idx="0">
+            <a:schemeClr val="accent1"/>
+          </a:effectRef>
+          <a:fontRef idx="minor">
+            <a:schemeClr val="tx1"/>
+          </a:fontRef>
+        </p:style>
+      </p:cxnSp>
+      <p:sp>
+        <p:nvSpPr>
+          <p:cNvPr id="75" name="テキスト ボックス 74"/>
+          <p:cNvSpPr txBox="1"/>
+          <p:nvPr/>
+        </p:nvSpPr>
+        <p:spPr>
+          <a:xfrm>
+            <a:off x="3951109" y="5007275"/>
+            <a:ext cx="3462255" cy="523220"/>
+          </a:xfrm>
+          <a:prstGeom prst="rect">
+            <a:avLst/>
+          </a:prstGeom>
+          <a:noFill/>
+        </p:spPr>
+        <p:txBody>
+          <a:bodyPr wrap="square" rtlCol="0">
+            <a:spAutoFit/>
+          </a:bodyPr>
+          <a:lstStyle/>
+          <a:p>
+            <a:r>
+              <a:rPr lang="ja-JP" altLang="en-US" sz="1400" dirty="0" smtClean="0">
+                <a:solidFill>
+                  <a:srgbClr val="0070C0"/>
+                </a:solidFill>
+                <a:latin typeface="メイリオ" panose="020B0604030504040204" pitchFamily="50" charset="-128"/>
+                <a:ea typeface="メイリオ" panose="020B0604030504040204" pitchFamily="50" charset="-128"/>
+                <a:cs typeface="メイリオ" panose="020B0604030504040204" pitchFamily="50" charset="-128"/>
+              </a:rPr>
+              <a:t>微小時間ごとに向きを検知し、</a:t>
+            </a:r>
+            <a:r>
+              <a:rPr lang="en-US" altLang="ja-JP" sz="1400" dirty="0" smtClean="0">
+                <a:solidFill>
+                  <a:srgbClr val="0070C0"/>
+                </a:solidFill>
+                <a:latin typeface="メイリオ" panose="020B0604030504040204" pitchFamily="50" charset="-128"/>
+                <a:ea typeface="メイリオ" panose="020B0604030504040204" pitchFamily="50" charset="-128"/>
+                <a:cs typeface="メイリオ" panose="020B0604030504040204" pitchFamily="50" charset="-128"/>
+              </a:rPr>
+              <a:t/>
+            </a:r>
+            <a:br>
+              <a:rPr lang="en-US" altLang="ja-JP" sz="1400" dirty="0" smtClean="0">
+                <a:solidFill>
+                  <a:srgbClr val="0070C0"/>
+                </a:solidFill>
+                <a:latin typeface="メイリオ" panose="020B0604030504040204" pitchFamily="50" charset="-128"/>
+                <a:ea typeface="メイリオ" panose="020B0604030504040204" pitchFamily="50" charset="-128"/>
+                <a:cs typeface="メイリオ" panose="020B0604030504040204" pitchFamily="50" charset="-128"/>
+              </a:rPr>
+            </a:br>
+            <a:r>
+              <a:rPr lang="ja-JP" altLang="en-US" sz="1400" dirty="0" smtClean="0">
+                <a:solidFill>
+                  <a:srgbClr val="0070C0"/>
+                </a:solidFill>
+                <a:latin typeface="メイリオ" panose="020B0604030504040204" pitchFamily="50" charset="-128"/>
+                <a:ea typeface="メイリオ" panose="020B0604030504040204" pitchFamily="50" charset="-128"/>
+                <a:cs typeface="メイリオ" panose="020B0604030504040204" pitchFamily="50" charset="-128"/>
+              </a:rPr>
+              <a:t>ズレを打ち消すように走行を補正する</a:t>
+            </a:r>
+            <a:endParaRPr kumimoji="1" lang="ja-JP" altLang="en-US" sz="1400" dirty="0">
+              <a:solidFill>
+                <a:srgbClr val="0070C0"/>
+              </a:solidFill>
+              <a:latin typeface="メイリオ" panose="020B0604030504040204" pitchFamily="50" charset="-128"/>
+              <a:ea typeface="メイリオ" panose="020B0604030504040204" pitchFamily="50" charset="-128"/>
+              <a:cs typeface="メイリオ" panose="020B0604030504040204" pitchFamily="50" charset="-128"/>
+            </a:endParaRPr>
+          </a:p>
+        </p:txBody>
+      </p:sp>
+      <p:cxnSp>
+        <p:nvCxnSpPr>
+          <p:cNvPr id="78" name="直線コネクタ 77"/>
+          <p:cNvCxnSpPr/>
+          <p:nvPr/>
+        </p:nvCxnSpPr>
+        <p:spPr>
+          <a:xfrm>
+            <a:off x="7858211" y="3356282"/>
+            <a:ext cx="0" cy="2443479"/>
+          </a:xfrm>
+          <a:prstGeom prst="line">
+            <a:avLst/>
+          </a:prstGeom>
+          <a:ln w="241300">
+            <a:solidFill>
+              <a:schemeClr val="tx1"/>
+            </a:solidFill>
+          </a:ln>
+        </p:spPr>
+        <p:style>
+          <a:lnRef idx="1">
+            <a:schemeClr val="accent1"/>
+          </a:lnRef>
+          <a:fillRef idx="0">
+            <a:schemeClr val="accent1"/>
+          </a:fillRef>
+          <a:effectRef idx="0">
+            <a:schemeClr val="accent1"/>
+          </a:effectRef>
+          <a:fontRef idx="minor">
+            <a:schemeClr val="tx1"/>
+          </a:fontRef>
+        </p:style>
+      </p:cxnSp>
+      <p:grpSp>
+        <p:nvGrpSpPr>
+          <p:cNvPr id="79" name="グループ化 78"/>
+          <p:cNvGrpSpPr/>
+          <p:nvPr/>
+        </p:nvGrpSpPr>
+        <p:grpSpPr>
+          <a:xfrm rot="10800000">
+            <a:off x="7210958" y="5278164"/>
+            <a:ext cx="1278537" cy="1161677"/>
+            <a:chOff x="5476401" y="2958805"/>
+            <a:chExt cx="578693" cy="525800"/>
+          </a:xfrm>
+        </p:grpSpPr>
+        <p:sp>
+          <p:nvSpPr>
+            <p:cNvPr id="80" name="角丸四角形 79"/>
+            <p:cNvSpPr/>
+            <p:nvPr/>
+          </p:nvSpPr>
+          <p:spPr>
+            <a:xfrm>
+              <a:off x="5476401" y="3079716"/>
+              <a:ext cx="71783" cy="283978"/>
+            </a:xfrm>
+            <a:prstGeom prst="roundRect">
+              <a:avLst>
+                <a:gd name="adj" fmla="val 50000"/>
+              </a:avLst>
+            </a:prstGeom>
+            <a:solidFill>
+              <a:schemeClr val="bg2">
+                <a:lumMod val="50000"/>
+              </a:schemeClr>
+            </a:solidFill>
+            <a:ln>
+              <a:solidFill>
+                <a:schemeClr val="tx1"/>
+              </a:solidFill>
+            </a:ln>
+          </p:spPr>
+          <p:style>
+            <a:lnRef idx="2">
+              <a:schemeClr val="accent1">
+                <a:shade val="50000"/>
+              </a:schemeClr>
+            </a:lnRef>
+            <a:fillRef idx="1">
+              <a:schemeClr val="accent1"/>
+            </a:fillRef>
+            <a:effectRef idx="0">
+              <a:schemeClr val="accent1"/>
+            </a:effectRef>
+            <a:fontRef idx="minor">
+              <a:schemeClr val="lt1"/>
+            </a:fontRef>
+          </p:style>
+          <p:txBody>
+            <a:bodyPr rtlCol="0" anchor="ctr"/>
+            <a:lstStyle/>
+            <a:p>
+              <a:pPr algn="ctr"/>
+              <a:endParaRPr kumimoji="1" lang="ja-JP" altLang="en-US" dirty="0">
+                <a:latin typeface="メイリオ" panose="020B0604030504040204" pitchFamily="50" charset="-128"/>
+                <a:ea typeface="メイリオ" panose="020B0604030504040204" pitchFamily="50" charset="-128"/>
+                <a:cs typeface="メイリオ" panose="020B0604030504040204" pitchFamily="50" charset="-128"/>
+              </a:endParaRPr>
+            </a:p>
+          </p:txBody>
+        </p:sp>
+        <p:sp>
+          <p:nvSpPr>
+            <p:cNvPr id="81" name="正方形/長方形 80"/>
+            <p:cNvSpPr/>
+            <p:nvPr/>
+          </p:nvSpPr>
+          <p:spPr>
+            <a:xfrm>
+              <a:off x="5548184" y="2958805"/>
+              <a:ext cx="432486" cy="525800"/>
+            </a:xfrm>
+            <a:prstGeom prst="rect">
+              <a:avLst/>
+            </a:prstGeom>
+            <a:solidFill>
+              <a:schemeClr val="bg2"/>
+            </a:solidFill>
+            <a:ln>
+              <a:solidFill>
+                <a:schemeClr val="tx1"/>
+              </a:solidFill>
+            </a:ln>
+          </p:spPr>
+          <p:style>
+            <a:lnRef idx="2">
+              <a:schemeClr val="accent1">
+                <a:shade val="50000"/>
+              </a:schemeClr>
+            </a:lnRef>
+            <a:fillRef idx="1">
+              <a:schemeClr val="accent1"/>
+            </a:fillRef>
+            <a:effectRef idx="0">
+              <a:schemeClr val="accent1"/>
+            </a:effectRef>
+            <a:fontRef idx="minor">
+              <a:schemeClr val="lt1"/>
+            </a:fontRef>
+          </p:style>
+          <p:txBody>
+            <a:bodyPr rtlCol="0" anchor="ctr"/>
+            <a:lstStyle/>
+            <a:p>
+              <a:pPr algn="ctr"/>
+              <a:endParaRPr kumimoji="1" lang="ja-JP" altLang="en-US">
+                <a:latin typeface="メイリオ" panose="020B0604030504040204" pitchFamily="50" charset="-128"/>
+                <a:ea typeface="メイリオ" panose="020B0604030504040204" pitchFamily="50" charset="-128"/>
+                <a:cs typeface="メイリオ" panose="020B0604030504040204" pitchFamily="50" charset="-128"/>
+              </a:endParaRPr>
+            </a:p>
+          </p:txBody>
+        </p:sp>
+        <p:sp>
+          <p:nvSpPr>
+            <p:cNvPr id="82" name="角丸四角形 81"/>
+            <p:cNvSpPr/>
+            <p:nvPr/>
+          </p:nvSpPr>
+          <p:spPr>
+            <a:xfrm>
+              <a:off x="5983311" y="3079716"/>
+              <a:ext cx="71783" cy="283978"/>
+            </a:xfrm>
+            <a:prstGeom prst="roundRect">
+              <a:avLst>
+                <a:gd name="adj" fmla="val 50000"/>
+              </a:avLst>
+            </a:prstGeom>
+            <a:solidFill>
+              <a:schemeClr val="bg2">
+                <a:lumMod val="50000"/>
+              </a:schemeClr>
+            </a:solidFill>
+            <a:ln>
+              <a:solidFill>
+                <a:schemeClr val="tx1"/>
+              </a:solidFill>
+            </a:ln>
+          </p:spPr>
+          <p:style>
+            <a:lnRef idx="2">
+              <a:schemeClr val="accent1">
+                <a:shade val="50000"/>
+              </a:schemeClr>
+            </a:lnRef>
+            <a:fillRef idx="1">
+              <a:schemeClr val="accent1"/>
+            </a:fillRef>
+            <a:effectRef idx="0">
+              <a:schemeClr val="accent1"/>
+            </a:effectRef>
+            <a:fontRef idx="minor">
+              <a:schemeClr val="lt1"/>
+            </a:fontRef>
+          </p:style>
+          <p:txBody>
+            <a:bodyPr rtlCol="0" anchor="ctr"/>
+            <a:lstStyle/>
+            <a:p>
+              <a:pPr algn="ctr"/>
+              <a:endParaRPr kumimoji="1" lang="ja-JP" altLang="en-US" dirty="0">
+                <a:latin typeface="メイリオ" panose="020B0604030504040204" pitchFamily="50" charset="-128"/>
+                <a:ea typeface="メイリオ" panose="020B0604030504040204" pitchFamily="50" charset="-128"/>
+                <a:cs typeface="メイリオ" panose="020B0604030504040204" pitchFamily="50" charset="-128"/>
+              </a:endParaRPr>
+            </a:p>
+          </p:txBody>
+        </p:sp>
+      </p:grpSp>
+      <p:cxnSp>
+        <p:nvCxnSpPr>
+          <p:cNvPr id="83" name="直線矢印コネクタ 82"/>
+          <p:cNvCxnSpPr/>
+          <p:nvPr/>
+        </p:nvCxnSpPr>
+        <p:spPr>
+          <a:xfrm flipV="1">
+            <a:off x="7872132" y="3356282"/>
+            <a:ext cx="0" cy="1921882"/>
+          </a:xfrm>
+          <a:prstGeom prst="straightConnector1">
+            <a:avLst/>
+          </a:prstGeom>
+          <a:ln w="88900">
+            <a:solidFill>
+              <a:schemeClr val="accent4"/>
+            </a:solidFill>
+            <a:tailEnd type="triangle"/>
+          </a:ln>
+        </p:spPr>
+        <p:style>
+          <a:lnRef idx="1">
+            <a:schemeClr val="accent1"/>
+          </a:lnRef>
+          <a:fillRef idx="0">
+            <a:schemeClr val="accent1"/>
+          </a:fillRef>
+          <a:effectRef idx="0">
+            <a:schemeClr val="accent1"/>
+          </a:effectRef>
+          <a:fontRef idx="minor">
+            <a:schemeClr val="tx1"/>
+          </a:fontRef>
+        </p:style>
+      </p:cxnSp>
+      <p:cxnSp>
+        <p:nvCxnSpPr>
+          <p:cNvPr id="85" name="直線矢印コネクタ 84"/>
+          <p:cNvCxnSpPr/>
+          <p:nvPr/>
+        </p:nvCxnSpPr>
+        <p:spPr>
+          <a:xfrm flipH="1" flipV="1">
+            <a:off x="7636251" y="4163207"/>
+            <a:ext cx="243154" cy="1105678"/>
+          </a:xfrm>
+          <a:prstGeom prst="straightConnector1">
+            <a:avLst/>
+          </a:prstGeom>
+          <a:ln w="88900">
+            <a:solidFill>
+              <a:srgbClr val="92D050"/>
+            </a:solidFill>
+            <a:tailEnd type="triangle"/>
+          </a:ln>
+        </p:spPr>
+        <p:style>
+          <a:lnRef idx="1">
+            <a:schemeClr val="accent1"/>
+          </a:lnRef>
+          <a:fillRef idx="0">
+            <a:schemeClr val="accent1"/>
+          </a:fillRef>
+          <a:effectRef idx="0">
+            <a:schemeClr val="accent1"/>
+          </a:effectRef>
+          <a:fontRef idx="minor">
+            <a:schemeClr val="tx1"/>
+          </a:fontRef>
+        </p:style>
+      </p:cxnSp>
+      <p:cxnSp>
+        <p:nvCxnSpPr>
+          <p:cNvPr id="87" name="直線矢印コネクタ 86"/>
+          <p:cNvCxnSpPr/>
+          <p:nvPr/>
+        </p:nvCxnSpPr>
+        <p:spPr>
+          <a:xfrm flipV="1">
+            <a:off x="7655187" y="3423162"/>
+            <a:ext cx="189104" cy="766176"/>
+          </a:xfrm>
+          <a:prstGeom prst="straightConnector1">
+            <a:avLst/>
+          </a:prstGeom>
+          <a:ln w="88900">
+            <a:solidFill>
+              <a:srgbClr val="92D050"/>
+            </a:solidFill>
+            <a:tailEnd type="triangle"/>
+          </a:ln>
+        </p:spPr>
+        <p:style>
+          <a:lnRef idx="1">
+            <a:schemeClr val="accent1"/>
+          </a:lnRef>
+          <a:fillRef idx="0">
+            <a:schemeClr val="accent1"/>
+          </a:fillRef>
+          <a:effectRef idx="0">
+            <a:schemeClr val="accent1"/>
+          </a:effectRef>
+          <a:fontRef idx="minor">
+            <a:schemeClr val="tx1"/>
+          </a:fontRef>
+        </p:style>
+      </p:cxnSp>
+      <p:sp>
+        <p:nvSpPr>
+          <p:cNvPr id="89" name="テキスト ボックス 88"/>
+          <p:cNvSpPr txBox="1"/>
+          <p:nvPr/>
+        </p:nvSpPr>
+        <p:spPr>
+          <a:xfrm>
+            <a:off x="4068639" y="1736510"/>
+            <a:ext cx="2339102" cy="307777"/>
+          </a:xfrm>
+          <a:prstGeom prst="rect">
+            <a:avLst/>
+          </a:prstGeom>
+          <a:noFill/>
+        </p:spPr>
+        <p:txBody>
+          <a:bodyPr wrap="none" rtlCol="0">
+            <a:spAutoFit/>
+          </a:bodyPr>
+          <a:lstStyle/>
+          <a:p>
+            <a:r>
+              <a:rPr lang="ja-JP" altLang="en-US" sz="1400" dirty="0" smtClean="0">
+                <a:solidFill>
+                  <a:srgbClr val="FF0000"/>
+                </a:solidFill>
+                <a:latin typeface="メイリオ" panose="020B0604030504040204" pitchFamily="50" charset="-128"/>
+                <a:ea typeface="メイリオ" panose="020B0604030504040204" pitchFamily="50" charset="-128"/>
+                <a:cs typeface="メイリオ" panose="020B0604030504040204" pitchFamily="50" charset="-128"/>
+              </a:rPr>
+              <a:t>このまま走行を続ける場合</a:t>
+            </a:r>
+            <a:endParaRPr kumimoji="1" lang="ja-JP" altLang="en-US" sz="1400" dirty="0">
+              <a:solidFill>
+                <a:srgbClr val="FF0000"/>
+              </a:solidFill>
+              <a:latin typeface="メイリオ" panose="020B0604030504040204" pitchFamily="50" charset="-128"/>
+              <a:ea typeface="メイリオ" panose="020B0604030504040204" pitchFamily="50" charset="-128"/>
+              <a:cs typeface="メイリオ" panose="020B0604030504040204" pitchFamily="50" charset="-128"/>
+            </a:endParaRPr>
+          </a:p>
+        </p:txBody>
+      </p:sp>
+      <p:sp>
+        <p:nvSpPr>
+          <p:cNvPr id="90" name="四角形吹き出し 89"/>
+          <p:cNvSpPr/>
+          <p:nvPr/>
+        </p:nvSpPr>
+        <p:spPr>
+          <a:xfrm>
+            <a:off x="7551886" y="340469"/>
+            <a:ext cx="1354041" cy="612648"/>
+          </a:xfrm>
+          <a:prstGeom prst="wedgeRectCallout">
+            <a:avLst>
+              <a:gd name="adj1" fmla="val -93278"/>
+              <a:gd name="adj2" fmla="val 40790"/>
+            </a:avLst>
+          </a:prstGeom>
+          <a:solidFill>
+            <a:schemeClr val="bg1"/>
+          </a:solidFill>
+        </p:spPr>
+        <p:style>
+          <a:lnRef idx="2">
+            <a:schemeClr val="accent1">
+              <a:shade val="50000"/>
+            </a:schemeClr>
+          </a:lnRef>
+          <a:fillRef idx="1">
+            <a:schemeClr val="accent1"/>
+          </a:fillRef>
+          <a:effectRef idx="0">
+            <a:schemeClr val="accent1"/>
+          </a:effectRef>
+          <a:fontRef idx="minor">
+            <a:schemeClr val="lt1"/>
+          </a:fontRef>
+        </p:style>
+        <p:txBody>
+          <a:bodyPr rtlCol="0" anchor="ctr"/>
+          <a:lstStyle/>
+          <a:p>
+            <a:pPr algn="ctr"/>
+            <a:r>
+              <a:rPr kumimoji="1" lang="ja-JP" altLang="en-US" sz="1600" dirty="0" smtClean="0">
+                <a:solidFill>
+                  <a:schemeClr val="tx1"/>
+                </a:solidFill>
+                <a:latin typeface="メイリオ" panose="020B0604030504040204" pitchFamily="50" charset="-128"/>
+                <a:ea typeface="メイリオ" panose="020B0604030504040204" pitchFamily="50" charset="-128"/>
+                <a:cs typeface="メイリオ" panose="020B0604030504040204" pitchFamily="50" charset="-128"/>
+              </a:rPr>
+              <a:t>目標の進行方向</a:t>
+            </a:r>
+            <a:endParaRPr kumimoji="1" lang="ja-JP" altLang="en-US" sz="1600" dirty="0">
+              <a:solidFill>
+                <a:schemeClr val="tx1"/>
+              </a:solidFill>
+              <a:latin typeface="メイリオ" panose="020B0604030504040204" pitchFamily="50" charset="-128"/>
+              <a:ea typeface="メイリオ" panose="020B0604030504040204" pitchFamily="50" charset="-128"/>
+              <a:cs typeface="メイリオ" panose="020B0604030504040204" pitchFamily="50" charset="-128"/>
+            </a:endParaRPr>
+          </a:p>
+        </p:txBody>
+      </p:sp>
+      <p:sp>
+        <p:nvSpPr>
+          <p:cNvPr id="91" name="四角形吹き出し 90"/>
+          <p:cNvSpPr/>
+          <p:nvPr/>
+        </p:nvSpPr>
+        <p:spPr>
+          <a:xfrm>
+            <a:off x="4911306" y="444691"/>
+            <a:ext cx="1354041" cy="612648"/>
+          </a:xfrm>
+          <a:prstGeom prst="wedgeRectCallout">
+            <a:avLst>
+              <a:gd name="adj1" fmla="val 88443"/>
+              <a:gd name="adj2" fmla="val 13653"/>
+            </a:avLst>
+          </a:prstGeom>
+          <a:solidFill>
+            <a:schemeClr val="bg1"/>
+          </a:solidFill>
+        </p:spPr>
+        <p:style>
+          <a:lnRef idx="2">
+            <a:schemeClr val="accent1">
+              <a:shade val="50000"/>
+            </a:schemeClr>
+          </a:lnRef>
+          <a:fillRef idx="1">
+            <a:schemeClr val="accent1"/>
+          </a:fillRef>
+          <a:effectRef idx="0">
+            <a:schemeClr val="accent1"/>
+          </a:effectRef>
+          <a:fontRef idx="minor">
+            <a:schemeClr val="lt1"/>
+          </a:fontRef>
+        </p:style>
+        <p:txBody>
+          <a:bodyPr rtlCol="0" anchor="ctr"/>
+          <a:lstStyle/>
+          <a:p>
+            <a:pPr algn="ctr"/>
+            <a:r>
+              <a:rPr kumimoji="1" lang="ja-JP" altLang="en-US" sz="1600" dirty="0" smtClean="0">
+                <a:solidFill>
+                  <a:schemeClr val="tx1"/>
+                </a:solidFill>
+                <a:latin typeface="メイリオ" panose="020B0604030504040204" pitchFamily="50" charset="-128"/>
+                <a:ea typeface="メイリオ" panose="020B0604030504040204" pitchFamily="50" charset="-128"/>
+                <a:cs typeface="メイリオ" panose="020B0604030504040204" pitchFamily="50" charset="-128"/>
+              </a:rPr>
+              <a:t>実際の進行方向</a:t>
+            </a:r>
+            <a:endParaRPr kumimoji="1" lang="ja-JP" altLang="en-US" sz="1600" dirty="0">
+              <a:solidFill>
+                <a:schemeClr val="tx1"/>
+              </a:solidFill>
+              <a:latin typeface="メイリオ" panose="020B0604030504040204" pitchFamily="50" charset="-128"/>
+              <a:ea typeface="メイリオ" panose="020B0604030504040204" pitchFamily="50" charset="-128"/>
+              <a:cs typeface="メイリオ" panose="020B0604030504040204" pitchFamily="50" charset="-128"/>
+            </a:endParaRPr>
+          </a:p>
+        </p:txBody>
+      </p:sp>
+      <p:sp>
+        <p:nvSpPr>
+          <p:cNvPr id="92" name="四角形吹き出し 91"/>
+          <p:cNvSpPr/>
+          <p:nvPr/>
+        </p:nvSpPr>
+        <p:spPr>
+          <a:xfrm>
+            <a:off x="8522402" y="3356282"/>
+            <a:ext cx="1354041" cy="612648"/>
+          </a:xfrm>
+          <a:prstGeom prst="wedgeRectCallout">
+            <a:avLst>
+              <a:gd name="adj1" fmla="val -93278"/>
+              <a:gd name="adj2" fmla="val 40790"/>
+            </a:avLst>
+          </a:prstGeom>
+          <a:solidFill>
+            <a:schemeClr val="bg1"/>
+          </a:solidFill>
+        </p:spPr>
+        <p:style>
+          <a:lnRef idx="2">
+            <a:schemeClr val="accent1">
+              <a:shade val="50000"/>
+            </a:schemeClr>
+          </a:lnRef>
+          <a:fillRef idx="1">
+            <a:schemeClr val="accent1"/>
+          </a:fillRef>
+          <a:effectRef idx="0">
+            <a:schemeClr val="accent1"/>
+          </a:effectRef>
+          <a:fontRef idx="minor">
+            <a:schemeClr val="lt1"/>
+          </a:fontRef>
+        </p:style>
+        <p:txBody>
+          <a:bodyPr rtlCol="0" anchor="ctr"/>
+          <a:lstStyle/>
+          <a:p>
+            <a:pPr algn="ctr"/>
+            <a:r>
+              <a:rPr kumimoji="1" lang="ja-JP" altLang="en-US" sz="1600" dirty="0" smtClean="0">
+                <a:solidFill>
+                  <a:schemeClr val="tx1"/>
+                </a:solidFill>
+                <a:latin typeface="メイリオ" panose="020B0604030504040204" pitchFamily="50" charset="-128"/>
+                <a:ea typeface="メイリオ" panose="020B0604030504040204" pitchFamily="50" charset="-128"/>
+                <a:cs typeface="メイリオ" panose="020B0604030504040204" pitchFamily="50" charset="-128"/>
+              </a:rPr>
+              <a:t>目標の進行方向</a:t>
+            </a:r>
+            <a:endParaRPr kumimoji="1" lang="ja-JP" altLang="en-US" sz="1600" dirty="0">
+              <a:solidFill>
+                <a:schemeClr val="tx1"/>
+              </a:solidFill>
+              <a:latin typeface="メイリオ" panose="020B0604030504040204" pitchFamily="50" charset="-128"/>
+              <a:ea typeface="メイリオ" panose="020B0604030504040204" pitchFamily="50" charset="-128"/>
+              <a:cs typeface="メイリオ" panose="020B0604030504040204" pitchFamily="50" charset="-128"/>
+            </a:endParaRPr>
+          </a:p>
+        </p:txBody>
+      </p:sp>
+      <p:sp>
+        <p:nvSpPr>
+          <p:cNvPr id="93" name="四角形吹き出し 92"/>
+          <p:cNvSpPr/>
+          <p:nvPr/>
+        </p:nvSpPr>
+        <p:spPr>
+          <a:xfrm>
+            <a:off x="5773012" y="3670742"/>
+            <a:ext cx="1354041" cy="612648"/>
+          </a:xfrm>
+          <a:prstGeom prst="wedgeRectCallout">
+            <a:avLst>
+              <a:gd name="adj1" fmla="val 88443"/>
+              <a:gd name="adj2" fmla="val 13653"/>
+            </a:avLst>
+          </a:prstGeom>
+          <a:solidFill>
+            <a:schemeClr val="bg1"/>
+          </a:solidFill>
+        </p:spPr>
+        <p:style>
+          <a:lnRef idx="2">
+            <a:schemeClr val="accent1">
+              <a:shade val="50000"/>
+            </a:schemeClr>
+          </a:lnRef>
+          <a:fillRef idx="1">
+            <a:schemeClr val="accent1"/>
+          </a:fillRef>
+          <a:effectRef idx="0">
+            <a:schemeClr val="accent1"/>
+          </a:effectRef>
+          <a:fontRef idx="minor">
+            <a:schemeClr val="lt1"/>
+          </a:fontRef>
+        </p:style>
+        <p:txBody>
+          <a:bodyPr rtlCol="0" anchor="ctr"/>
+          <a:lstStyle/>
+          <a:p>
+            <a:pPr algn="ctr"/>
+            <a:r>
+              <a:rPr kumimoji="1" lang="ja-JP" altLang="en-US" sz="1600" dirty="0" smtClean="0">
+                <a:solidFill>
+                  <a:schemeClr val="tx1"/>
+                </a:solidFill>
+                <a:latin typeface="メイリオ" panose="020B0604030504040204" pitchFamily="50" charset="-128"/>
+                <a:ea typeface="メイリオ" panose="020B0604030504040204" pitchFamily="50" charset="-128"/>
+                <a:cs typeface="メイリオ" panose="020B0604030504040204" pitchFamily="50" charset="-128"/>
+              </a:rPr>
+              <a:t>進行方向を補正する</a:t>
+            </a:r>
+            <a:endParaRPr kumimoji="1" lang="ja-JP" altLang="en-US" sz="1600" dirty="0">
+              <a:solidFill>
+                <a:schemeClr val="tx1"/>
+              </a:solidFill>
+              <a:latin typeface="メイリオ" panose="020B0604030504040204" pitchFamily="50" charset="-128"/>
+              <a:ea typeface="メイリオ" panose="020B0604030504040204" pitchFamily="50" charset="-128"/>
+              <a:cs typeface="メイリオ" panose="020B0604030504040204" pitchFamily="50" charset="-128"/>
+            </a:endParaRPr>
+          </a:p>
+        </p:txBody>
+      </p:sp>
+      <p:cxnSp>
+        <p:nvCxnSpPr>
+          <p:cNvPr id="95" name="カギ線コネクタ 94"/>
+          <p:cNvCxnSpPr/>
+          <p:nvPr/>
+        </p:nvCxnSpPr>
+        <p:spPr>
+          <a:xfrm>
+            <a:off x="4006747" y="3415026"/>
+            <a:ext cx="1868142" cy="1299955"/>
+          </a:xfrm>
+          <a:prstGeom prst="bentConnector3">
+            <a:avLst/>
+          </a:prstGeom>
+          <a:ln w="25400">
+            <a:solidFill>
+              <a:schemeClr val="tx1"/>
+            </a:solidFill>
+            <a:tailEnd type="triangle"/>
+          </a:ln>
+        </p:spPr>
+        <p:style>
+          <a:lnRef idx="1">
+            <a:schemeClr val="accent1"/>
+          </a:lnRef>
+          <a:fillRef idx="0">
+            <a:schemeClr val="accent1"/>
+          </a:fillRef>
+          <a:effectRef idx="0">
+            <a:schemeClr val="accent1"/>
+          </a:effectRef>
+          <a:fontRef idx="minor">
+            <a:schemeClr val="tx1"/>
+          </a:fontRef>
+        </p:style>
+      </p:cxnSp>
+      <p:cxnSp>
+        <p:nvCxnSpPr>
+          <p:cNvPr id="97" name="カギ線コネクタ 96"/>
+          <p:cNvCxnSpPr/>
+          <p:nvPr/>
+        </p:nvCxnSpPr>
+        <p:spPr>
+          <a:xfrm flipV="1">
+            <a:off x="4006747" y="2123207"/>
+            <a:ext cx="1868142" cy="1299955"/>
+          </a:xfrm>
+          <a:prstGeom prst="bentConnector3">
+            <a:avLst/>
+          </a:prstGeom>
+          <a:ln w="25400">
+            <a:solidFill>
+              <a:schemeClr val="tx1"/>
+            </a:solidFill>
+            <a:tailEnd type="triangle"/>
+          </a:ln>
+        </p:spPr>
+        <p:style>
+          <a:lnRef idx="1">
+            <a:schemeClr val="accent1"/>
+          </a:lnRef>
+          <a:fillRef idx="0">
+            <a:schemeClr val="accent1"/>
+          </a:fillRef>
+          <a:effectRef idx="0">
+            <a:schemeClr val="accent1"/>
+          </a:effectRef>
+          <a:fontRef idx="minor">
+            <a:schemeClr val="tx1"/>
+          </a:fontRef>
+        </p:style>
+      </p:cxnSp>
+      <p:sp>
+        <p:nvSpPr>
+          <p:cNvPr id="98" name="テキスト ボックス 97"/>
+          <p:cNvSpPr txBox="1"/>
+          <p:nvPr/>
+        </p:nvSpPr>
+        <p:spPr>
+          <a:xfrm>
+            <a:off x="7413364" y="1416272"/>
+            <a:ext cx="2723823" cy="369332"/>
+          </a:xfrm>
+          <a:prstGeom prst="rect">
+            <a:avLst/>
+          </a:prstGeom>
+          <a:noFill/>
+        </p:spPr>
+        <p:txBody>
+          <a:bodyPr wrap="none" rtlCol="0">
+            <a:spAutoFit/>
+          </a:bodyPr>
+          <a:lstStyle/>
+          <a:p>
+            <a:r>
+              <a:rPr lang="ja-JP" altLang="en-US" b="1" u="sng" dirty="0" smtClean="0">
+                <a:solidFill>
+                  <a:srgbClr val="FF0000"/>
+                </a:solidFill>
+                <a:latin typeface="メイリオ" panose="020B0604030504040204" pitchFamily="50" charset="-128"/>
+                <a:ea typeface="メイリオ" panose="020B0604030504040204" pitchFamily="50" charset="-128"/>
+                <a:cs typeface="メイリオ" panose="020B0604030504040204" pitchFamily="50" charset="-128"/>
+              </a:rPr>
+              <a:t>目標方向とズレ</a:t>
+            </a:r>
+            <a:r>
+              <a:rPr lang="ja-JP" altLang="en-US" b="1" u="sng" dirty="0" err="1" smtClean="0">
+                <a:solidFill>
+                  <a:srgbClr val="FF0000"/>
+                </a:solidFill>
+                <a:latin typeface="メイリオ" panose="020B0604030504040204" pitchFamily="50" charset="-128"/>
+                <a:ea typeface="メイリオ" panose="020B0604030504040204" pitchFamily="50" charset="-128"/>
+                <a:cs typeface="メイリオ" panose="020B0604030504040204" pitchFamily="50" charset="-128"/>
+              </a:rPr>
+              <a:t>て</a:t>
+            </a:r>
+            <a:r>
+              <a:rPr lang="ja-JP" altLang="en-US" b="1" u="sng" dirty="0" smtClean="0">
+                <a:solidFill>
+                  <a:srgbClr val="FF0000"/>
+                </a:solidFill>
+                <a:latin typeface="メイリオ" panose="020B0604030504040204" pitchFamily="50" charset="-128"/>
+                <a:ea typeface="メイリオ" panose="020B0604030504040204" pitchFamily="50" charset="-128"/>
+                <a:cs typeface="メイリオ" panose="020B0604030504040204" pitchFamily="50" charset="-128"/>
+              </a:rPr>
+              <a:t>しまう</a:t>
+            </a:r>
+            <a:endParaRPr kumimoji="1" lang="ja-JP" altLang="en-US" b="1" u="sng" dirty="0">
+              <a:solidFill>
+                <a:srgbClr val="FF0000"/>
+              </a:solidFill>
+              <a:latin typeface="メイリオ" panose="020B0604030504040204" pitchFamily="50" charset="-128"/>
+              <a:ea typeface="メイリオ" panose="020B0604030504040204" pitchFamily="50" charset="-128"/>
+              <a:cs typeface="メイリオ" panose="020B0604030504040204" pitchFamily="50" charset="-128"/>
+            </a:endParaRPr>
+          </a:p>
+        </p:txBody>
+      </p:sp>
+      <p:sp>
+        <p:nvSpPr>
+          <p:cNvPr id="100" name="テキスト ボックス 99"/>
+          <p:cNvSpPr txBox="1"/>
+          <p:nvPr/>
+        </p:nvSpPr>
+        <p:spPr>
+          <a:xfrm>
+            <a:off x="8296078" y="4754251"/>
+            <a:ext cx="3185487" cy="369332"/>
+          </a:xfrm>
+          <a:prstGeom prst="rect">
+            <a:avLst/>
+          </a:prstGeom>
+          <a:noFill/>
+        </p:spPr>
+        <p:txBody>
+          <a:bodyPr wrap="none" rtlCol="0">
+            <a:spAutoFit/>
+          </a:bodyPr>
+          <a:lstStyle/>
+          <a:p>
+            <a:r>
+              <a:rPr kumimoji="1" lang="ja-JP" altLang="en-US" b="1" u="sng" dirty="0" smtClean="0">
+                <a:solidFill>
+                  <a:srgbClr val="0070C0"/>
+                </a:solidFill>
+                <a:latin typeface="メイリオ" panose="020B0604030504040204" pitchFamily="50" charset="-128"/>
+                <a:ea typeface="メイリオ" panose="020B0604030504040204" pitchFamily="50" charset="-128"/>
+                <a:cs typeface="メイリオ" panose="020B0604030504040204" pitchFamily="50" charset="-128"/>
+              </a:rPr>
+              <a:t>目標方向に確実に移動させる</a:t>
+            </a:r>
+            <a:endParaRPr kumimoji="1" lang="ja-JP" altLang="en-US" b="1" u="sng" dirty="0">
+              <a:solidFill>
+                <a:srgbClr val="0070C0"/>
+              </a:solidFill>
+              <a:latin typeface="メイリオ" panose="020B0604030504040204" pitchFamily="50" charset="-128"/>
+              <a:ea typeface="メイリオ" panose="020B0604030504040204" pitchFamily="50" charset="-128"/>
+              <a:cs typeface="メイリオ" panose="020B0604030504040204" pitchFamily="50" charset="-128"/>
+            </a:endParaRPr>
+          </a:p>
+        </p:txBody>
+      </p:sp>
+    </p:spTree>
+    <p:extLst>
+      <p:ext uri="{BB962C8B-B14F-4D97-AF65-F5344CB8AC3E}">
+        <p14:creationId xmlns:p14="http://schemas.microsoft.com/office/powerpoint/2010/main" val="4004201699"/>
+      </p:ext>
+    </p:extLst>
+  </p:cSld>
+  <p:clrMapOvr>
+    <a:masterClrMapping/>
+  </p:clrMapOvr>
+  <p:timing>
+    <p:tnLst>
+      <p:par>
+        <p:cTn id="1" dur="indefinite" restart="never" nodeType="tmRoot"/>
+      </p:par>
+    </p:tnLst>
+  </p:timing>
+</p:sld>
+</file>
+
+<file path=ppt/slides/slide3.xml><?xml version="1.0" encoding="utf-8"?>
+<p:sld xmlns:a="http://schemas.openxmlformats.org/drawingml/2006/main" xmlns:r="http://schemas.openxmlformats.org/officeDocument/2006/relationships" xmlns:p="http://schemas.openxmlformats.org/presentationml/2006/main">
+  <p:cSld>
+    <p:spTree>
+      <p:nvGrpSpPr>
+        <p:cNvPr id="1" name=""/>
+        <p:cNvGrpSpPr/>
+        <p:nvPr/>
+      </p:nvGrpSpPr>
+      <p:grpSpPr>
+        <a:xfrm>
+          <a:off x="0" y="0"/>
+          <a:ext cx="0" cy="0"/>
+          <a:chOff x="0" y="0"/>
+          <a:chExt cx="0" cy="0"/>
+        </a:xfrm>
+      </p:grpSpPr>
+      <p:grpSp>
+        <p:nvGrpSpPr>
+          <p:cNvPr id="4" name="グループ化 3"/>
+          <p:cNvGrpSpPr/>
+          <p:nvPr/>
+        </p:nvGrpSpPr>
+        <p:grpSpPr>
+          <a:xfrm rot="10800000">
+            <a:off x="1179485" y="4647081"/>
+            <a:ext cx="702882" cy="638637"/>
+            <a:chOff x="5476401" y="2958805"/>
+            <a:chExt cx="578693" cy="525800"/>
+          </a:xfrm>
+        </p:grpSpPr>
+        <p:sp>
+          <p:nvSpPr>
+            <p:cNvPr id="5" name="角丸四角形 4"/>
+            <p:cNvSpPr/>
+            <p:nvPr/>
+          </p:nvSpPr>
+          <p:spPr>
+            <a:xfrm>
+              <a:off x="5476401" y="3079716"/>
+              <a:ext cx="71783" cy="283978"/>
+            </a:xfrm>
+            <a:prstGeom prst="roundRect">
+              <a:avLst>
+                <a:gd name="adj" fmla="val 50000"/>
+              </a:avLst>
+            </a:prstGeom>
+            <a:solidFill>
+              <a:schemeClr val="bg2">
+                <a:lumMod val="50000"/>
+              </a:schemeClr>
+            </a:solidFill>
+            <a:ln>
+              <a:solidFill>
+                <a:schemeClr val="tx1"/>
+              </a:solidFill>
+            </a:ln>
+          </p:spPr>
+          <p:style>
+            <a:lnRef idx="2">
+              <a:schemeClr val="accent1">
+                <a:shade val="50000"/>
+              </a:schemeClr>
+            </a:lnRef>
+            <a:fillRef idx="1">
+              <a:schemeClr val="accent1"/>
+            </a:fillRef>
+            <a:effectRef idx="0">
+              <a:schemeClr val="accent1"/>
+            </a:effectRef>
+            <a:fontRef idx="minor">
+              <a:schemeClr val="lt1"/>
+            </a:fontRef>
+          </p:style>
+          <p:txBody>
+            <a:bodyPr rtlCol="0" anchor="ctr"/>
+            <a:lstStyle/>
+            <a:p>
+              <a:pPr algn="ctr"/>
+              <a:endParaRPr kumimoji="1" lang="ja-JP" altLang="en-US" sz="900" dirty="0">
+                <a:latin typeface="メイリオ" panose="020B0604030504040204" pitchFamily="50" charset="-128"/>
+                <a:ea typeface="メイリオ" panose="020B0604030504040204" pitchFamily="50" charset="-128"/>
+                <a:cs typeface="メイリオ" panose="020B0604030504040204" pitchFamily="50" charset="-128"/>
+              </a:endParaRPr>
+            </a:p>
+          </p:txBody>
+        </p:sp>
+        <p:sp>
+          <p:nvSpPr>
+            <p:cNvPr id="6" name="正方形/長方形 5"/>
+            <p:cNvSpPr/>
+            <p:nvPr/>
+          </p:nvSpPr>
+          <p:spPr>
+            <a:xfrm>
+              <a:off x="5548184" y="2958805"/>
+              <a:ext cx="432486" cy="525800"/>
+            </a:xfrm>
+            <a:prstGeom prst="rect">
+              <a:avLst/>
+            </a:prstGeom>
+            <a:solidFill>
+              <a:schemeClr val="bg2"/>
+            </a:solidFill>
+            <a:ln>
+              <a:solidFill>
+                <a:schemeClr val="tx1"/>
+              </a:solidFill>
+            </a:ln>
+          </p:spPr>
+          <p:style>
+            <a:lnRef idx="2">
+              <a:schemeClr val="accent1">
+                <a:shade val="50000"/>
+              </a:schemeClr>
+            </a:lnRef>
+            <a:fillRef idx="1">
+              <a:schemeClr val="accent1"/>
+            </a:fillRef>
+            <a:effectRef idx="0">
+              <a:schemeClr val="accent1"/>
+            </a:effectRef>
+            <a:fontRef idx="minor">
+              <a:schemeClr val="lt1"/>
+            </a:fontRef>
+          </p:style>
+          <p:txBody>
+            <a:bodyPr rtlCol="0" anchor="ctr"/>
+            <a:lstStyle/>
+            <a:p>
+              <a:pPr algn="ctr"/>
+              <a:endParaRPr kumimoji="1" lang="ja-JP" altLang="en-US" sz="900">
+                <a:latin typeface="メイリオ" panose="020B0604030504040204" pitchFamily="50" charset="-128"/>
+                <a:ea typeface="メイリオ" panose="020B0604030504040204" pitchFamily="50" charset="-128"/>
+                <a:cs typeface="メイリオ" panose="020B0604030504040204" pitchFamily="50" charset="-128"/>
+              </a:endParaRPr>
+            </a:p>
+          </p:txBody>
+        </p:sp>
+        <p:sp>
+          <p:nvSpPr>
+            <p:cNvPr id="7" name="角丸四角形 6"/>
+            <p:cNvSpPr/>
+            <p:nvPr/>
+          </p:nvSpPr>
+          <p:spPr>
+            <a:xfrm>
+              <a:off x="5983311" y="3079716"/>
+              <a:ext cx="71783" cy="283978"/>
+            </a:xfrm>
+            <a:prstGeom prst="roundRect">
+              <a:avLst>
+                <a:gd name="adj" fmla="val 50000"/>
+              </a:avLst>
+            </a:prstGeom>
+            <a:solidFill>
+              <a:schemeClr val="bg2">
+                <a:lumMod val="50000"/>
+              </a:schemeClr>
+            </a:solidFill>
+            <a:ln>
+              <a:solidFill>
+                <a:schemeClr val="tx1"/>
+              </a:solidFill>
+            </a:ln>
+          </p:spPr>
+          <p:style>
+            <a:lnRef idx="2">
+              <a:schemeClr val="accent1">
+                <a:shade val="50000"/>
+              </a:schemeClr>
+            </a:lnRef>
+            <a:fillRef idx="1">
+              <a:schemeClr val="accent1"/>
+            </a:fillRef>
+            <a:effectRef idx="0">
+              <a:schemeClr val="accent1"/>
+            </a:effectRef>
+            <a:fontRef idx="minor">
+              <a:schemeClr val="lt1"/>
+            </a:fontRef>
+          </p:style>
+          <p:txBody>
+            <a:bodyPr rtlCol="0" anchor="ctr"/>
+            <a:lstStyle/>
+            <a:p>
+              <a:pPr algn="ctr"/>
+              <a:endParaRPr kumimoji="1" lang="ja-JP" altLang="en-US" sz="900" dirty="0">
+                <a:latin typeface="メイリオ" panose="020B0604030504040204" pitchFamily="50" charset="-128"/>
+                <a:ea typeface="メイリオ" panose="020B0604030504040204" pitchFamily="50" charset="-128"/>
+                <a:cs typeface="メイリオ" panose="020B0604030504040204" pitchFamily="50" charset="-128"/>
+              </a:endParaRPr>
+            </a:p>
+          </p:txBody>
+        </p:sp>
+      </p:grpSp>
+      <p:sp>
+        <p:nvSpPr>
+          <p:cNvPr id="8" name="テキスト ボックス 7"/>
+          <p:cNvSpPr txBox="1"/>
+          <p:nvPr/>
+        </p:nvSpPr>
+        <p:spPr>
+          <a:xfrm>
+            <a:off x="547525" y="4363852"/>
+            <a:ext cx="1800493" cy="307777"/>
+          </a:xfrm>
+          <a:prstGeom prst="rect">
+            <a:avLst/>
+          </a:prstGeom>
+          <a:noFill/>
+        </p:spPr>
+        <p:txBody>
+          <a:bodyPr wrap="none" rtlCol="0">
+            <a:spAutoFit/>
+          </a:bodyPr>
+          <a:lstStyle/>
+          <a:p>
+            <a:r>
+              <a:rPr kumimoji="1" lang="ja-JP" altLang="en-US" sz="700" dirty="0" smtClean="0">
+                <a:latin typeface="メイリオ" panose="020B0604030504040204" pitchFamily="50" charset="-128"/>
+                <a:ea typeface="メイリオ" panose="020B0604030504040204" pitchFamily="50" charset="-128"/>
+                <a:cs typeface="メイリオ" panose="020B0604030504040204" pitchFamily="50" charset="-128"/>
+              </a:rPr>
+              <a:t>同じ出力</a:t>
+            </a:r>
+            <a:r>
+              <a:rPr lang="ja-JP" altLang="en-US" sz="700" dirty="0" smtClean="0">
+                <a:latin typeface="メイリオ" panose="020B0604030504040204" pitchFamily="50" charset="-128"/>
+                <a:ea typeface="メイリオ" panose="020B0604030504040204" pitchFamily="50" charset="-128"/>
+                <a:cs typeface="メイリオ" panose="020B0604030504040204" pitchFamily="50" charset="-128"/>
+              </a:rPr>
+              <a:t>、同じ時間で回転させても</a:t>
+            </a:r>
+            <a:endParaRPr lang="en-US" altLang="ja-JP" sz="700" dirty="0">
+              <a:latin typeface="メイリオ" panose="020B0604030504040204" pitchFamily="50" charset="-128"/>
+              <a:ea typeface="メイリオ" panose="020B0604030504040204" pitchFamily="50" charset="-128"/>
+              <a:cs typeface="メイリオ" panose="020B0604030504040204" pitchFamily="50" charset="-128"/>
+            </a:endParaRPr>
+          </a:p>
+          <a:p>
+            <a:r>
+              <a:rPr kumimoji="1" lang="ja-JP" altLang="en-US" sz="700" dirty="0" smtClean="0">
+                <a:latin typeface="メイリオ" panose="020B0604030504040204" pitchFamily="50" charset="-128"/>
+                <a:ea typeface="メイリオ" panose="020B0604030504040204" pitchFamily="50" charset="-128"/>
+                <a:cs typeface="メイリオ" panose="020B0604030504040204" pitchFamily="50" charset="-128"/>
+              </a:rPr>
+              <a:t>タイヤの回転角に差が生じる場合がある</a:t>
+            </a:r>
+            <a:endParaRPr kumimoji="1" lang="ja-JP" altLang="en-US" sz="700" dirty="0">
+              <a:latin typeface="メイリオ" panose="020B0604030504040204" pitchFamily="50" charset="-128"/>
+              <a:ea typeface="メイリオ" panose="020B0604030504040204" pitchFamily="50" charset="-128"/>
+              <a:cs typeface="メイリオ" panose="020B0604030504040204" pitchFamily="50" charset="-128"/>
+            </a:endParaRPr>
+          </a:p>
+        </p:txBody>
+      </p:sp>
+      <p:sp>
+        <p:nvSpPr>
+          <p:cNvPr id="9" name="四角形吹き出し 8"/>
+          <p:cNvSpPr/>
+          <p:nvPr/>
+        </p:nvSpPr>
+        <p:spPr>
+          <a:xfrm>
+            <a:off x="1971316" y="5031997"/>
+            <a:ext cx="632821" cy="184847"/>
+          </a:xfrm>
+          <a:prstGeom prst="wedgeRectCallout">
+            <a:avLst>
+              <a:gd name="adj1" fmla="val -59891"/>
+              <a:gd name="adj2" fmla="val -75913"/>
+            </a:avLst>
+          </a:prstGeom>
+          <a:solidFill>
+            <a:schemeClr val="bg1"/>
+          </a:solidFill>
+        </p:spPr>
+        <p:style>
+          <a:lnRef idx="2">
+            <a:schemeClr val="accent1">
+              <a:shade val="50000"/>
+            </a:schemeClr>
+          </a:lnRef>
+          <a:fillRef idx="1">
+            <a:schemeClr val="accent1"/>
+          </a:fillRef>
+          <a:effectRef idx="0">
+            <a:schemeClr val="accent1"/>
+          </a:effectRef>
+          <a:fontRef idx="minor">
+            <a:schemeClr val="lt1"/>
+          </a:fontRef>
+        </p:style>
+        <p:txBody>
+          <a:bodyPr rtlCol="0" anchor="ctr"/>
+          <a:lstStyle/>
+          <a:p>
+            <a:pPr algn="ctr"/>
+            <a:r>
+              <a:rPr lang="ja-JP" altLang="en-US" sz="600" dirty="0" smtClean="0">
+                <a:solidFill>
+                  <a:schemeClr val="tx1"/>
+                </a:solidFill>
+                <a:latin typeface="メイリオ" panose="020B0604030504040204" pitchFamily="50" charset="-128"/>
+                <a:ea typeface="メイリオ" panose="020B0604030504040204" pitchFamily="50" charset="-128"/>
+                <a:cs typeface="メイリオ" panose="020B0604030504040204" pitchFamily="50" charset="-128"/>
+              </a:rPr>
+              <a:t>回転角：</a:t>
+            </a:r>
+            <a:r>
+              <a:rPr lang="en-US" altLang="ja-JP" sz="600" dirty="0" smtClean="0">
+                <a:solidFill>
+                  <a:schemeClr val="tx1"/>
+                </a:solidFill>
+                <a:latin typeface="メイリオ" panose="020B0604030504040204" pitchFamily="50" charset="-128"/>
+                <a:ea typeface="メイリオ" panose="020B0604030504040204" pitchFamily="50" charset="-128"/>
+                <a:cs typeface="メイリオ" panose="020B0604030504040204" pitchFamily="50" charset="-128"/>
+              </a:rPr>
+              <a:t>70</a:t>
+            </a:r>
+            <a:endParaRPr kumimoji="1" lang="ja-JP" altLang="en-US" sz="600" dirty="0">
+              <a:solidFill>
+                <a:schemeClr val="tx1"/>
+              </a:solidFill>
+              <a:latin typeface="メイリオ" panose="020B0604030504040204" pitchFamily="50" charset="-128"/>
+              <a:ea typeface="メイリオ" panose="020B0604030504040204" pitchFamily="50" charset="-128"/>
+              <a:cs typeface="メイリオ" panose="020B0604030504040204" pitchFamily="50" charset="-128"/>
+            </a:endParaRPr>
+          </a:p>
+        </p:txBody>
+      </p:sp>
+      <p:sp>
+        <p:nvSpPr>
+          <p:cNvPr id="10" name="四角形吹き出し 9"/>
+          <p:cNvSpPr/>
+          <p:nvPr/>
+        </p:nvSpPr>
+        <p:spPr>
+          <a:xfrm>
+            <a:off x="524535" y="5069474"/>
+            <a:ext cx="583832" cy="184847"/>
+          </a:xfrm>
+          <a:prstGeom prst="wedgeRectCallout">
+            <a:avLst>
+              <a:gd name="adj1" fmla="val 59878"/>
+              <a:gd name="adj2" fmla="val -97765"/>
+            </a:avLst>
+          </a:prstGeom>
+          <a:solidFill>
+            <a:schemeClr val="bg1"/>
+          </a:solidFill>
+        </p:spPr>
+        <p:style>
+          <a:lnRef idx="2">
+            <a:schemeClr val="accent1">
+              <a:shade val="50000"/>
+            </a:schemeClr>
+          </a:lnRef>
+          <a:fillRef idx="1">
+            <a:schemeClr val="accent1"/>
+          </a:fillRef>
+          <a:effectRef idx="0">
+            <a:schemeClr val="accent1"/>
+          </a:effectRef>
+          <a:fontRef idx="minor">
+            <a:schemeClr val="lt1"/>
+          </a:fontRef>
+        </p:style>
+        <p:txBody>
+          <a:bodyPr rtlCol="0" anchor="ctr"/>
+          <a:lstStyle/>
+          <a:p>
+            <a:pPr algn="ctr"/>
+            <a:r>
+              <a:rPr lang="ja-JP" altLang="en-US" sz="600" dirty="0" smtClean="0">
+                <a:solidFill>
+                  <a:schemeClr val="tx1"/>
+                </a:solidFill>
+                <a:latin typeface="メイリオ" panose="020B0604030504040204" pitchFamily="50" charset="-128"/>
+                <a:ea typeface="メイリオ" panose="020B0604030504040204" pitchFamily="50" charset="-128"/>
+                <a:cs typeface="メイリオ" panose="020B0604030504040204" pitchFamily="50" charset="-128"/>
+              </a:rPr>
+              <a:t>回転角：</a:t>
+            </a:r>
+            <a:r>
+              <a:rPr lang="en-US" altLang="ja-JP" sz="600" dirty="0">
+                <a:solidFill>
+                  <a:schemeClr val="tx1"/>
+                </a:solidFill>
+                <a:latin typeface="メイリオ" panose="020B0604030504040204" pitchFamily="50" charset="-128"/>
+                <a:ea typeface="メイリオ" panose="020B0604030504040204" pitchFamily="50" charset="-128"/>
+                <a:cs typeface="メイリオ" panose="020B0604030504040204" pitchFamily="50" charset="-128"/>
+              </a:rPr>
+              <a:t>69</a:t>
+            </a:r>
+            <a:endParaRPr kumimoji="1" lang="ja-JP" altLang="en-US" sz="600" dirty="0">
+              <a:solidFill>
+                <a:schemeClr val="tx1"/>
+              </a:solidFill>
+              <a:latin typeface="メイリオ" panose="020B0604030504040204" pitchFamily="50" charset="-128"/>
+              <a:ea typeface="メイリオ" panose="020B0604030504040204" pitchFamily="50" charset="-128"/>
+              <a:cs typeface="メイリオ" panose="020B0604030504040204" pitchFamily="50" charset="-128"/>
+            </a:endParaRPr>
+          </a:p>
+        </p:txBody>
+      </p:sp>
+      <p:cxnSp>
+        <p:nvCxnSpPr>
+          <p:cNvPr id="11" name="直線コネクタ 10"/>
+          <p:cNvCxnSpPr/>
+          <p:nvPr/>
+        </p:nvCxnSpPr>
+        <p:spPr>
+          <a:xfrm>
+            <a:off x="4084398" y="2959331"/>
+            <a:ext cx="0" cy="1343314"/>
+          </a:xfrm>
+          <a:prstGeom prst="line">
+            <a:avLst/>
+          </a:prstGeom>
+          <a:ln w="241300">
+            <a:solidFill>
+              <a:schemeClr val="tx1"/>
+            </a:solidFill>
+          </a:ln>
+        </p:spPr>
+        <p:style>
+          <a:lnRef idx="1">
+            <a:schemeClr val="accent1"/>
+          </a:lnRef>
+          <a:fillRef idx="0">
+            <a:schemeClr val="accent1"/>
+          </a:fillRef>
+          <a:effectRef idx="0">
+            <a:schemeClr val="accent1"/>
+          </a:effectRef>
+          <a:fontRef idx="minor">
+            <a:schemeClr val="tx1"/>
+          </a:fontRef>
+        </p:style>
+      </p:cxnSp>
+      <p:grpSp>
+        <p:nvGrpSpPr>
+          <p:cNvPr id="12" name="グループ化 11"/>
+          <p:cNvGrpSpPr/>
+          <p:nvPr/>
+        </p:nvGrpSpPr>
+        <p:grpSpPr>
+          <a:xfrm rot="10800000">
+            <a:off x="3728567" y="4015895"/>
+            <a:ext cx="702882" cy="638637"/>
+            <a:chOff x="5476401" y="2958805"/>
+            <a:chExt cx="578693" cy="525800"/>
+          </a:xfrm>
+        </p:grpSpPr>
+        <p:sp>
+          <p:nvSpPr>
+            <p:cNvPr id="13" name="角丸四角形 12"/>
+            <p:cNvSpPr/>
+            <p:nvPr/>
+          </p:nvSpPr>
+          <p:spPr>
+            <a:xfrm>
+              <a:off x="5476401" y="3079716"/>
+              <a:ext cx="71783" cy="283978"/>
+            </a:xfrm>
+            <a:prstGeom prst="roundRect">
+              <a:avLst>
+                <a:gd name="adj" fmla="val 50000"/>
+              </a:avLst>
+            </a:prstGeom>
+            <a:solidFill>
+              <a:schemeClr val="bg2">
+                <a:lumMod val="50000"/>
+              </a:schemeClr>
+            </a:solidFill>
+            <a:ln>
+              <a:solidFill>
+                <a:schemeClr val="tx1"/>
+              </a:solidFill>
+            </a:ln>
+          </p:spPr>
+          <p:style>
+            <a:lnRef idx="2">
+              <a:schemeClr val="accent1">
+                <a:shade val="50000"/>
+              </a:schemeClr>
+            </a:lnRef>
+            <a:fillRef idx="1">
+              <a:schemeClr val="accent1"/>
+            </a:fillRef>
+            <a:effectRef idx="0">
+              <a:schemeClr val="accent1"/>
+            </a:effectRef>
+            <a:fontRef idx="minor">
+              <a:schemeClr val="lt1"/>
+            </a:fontRef>
+          </p:style>
+          <p:txBody>
+            <a:bodyPr rtlCol="0" anchor="ctr"/>
+            <a:lstStyle/>
+            <a:p>
+              <a:pPr algn="ctr"/>
+              <a:endParaRPr kumimoji="1" lang="ja-JP" altLang="en-US" sz="900" dirty="0">
+                <a:latin typeface="メイリオ" panose="020B0604030504040204" pitchFamily="50" charset="-128"/>
+                <a:ea typeface="メイリオ" panose="020B0604030504040204" pitchFamily="50" charset="-128"/>
+                <a:cs typeface="メイリオ" panose="020B0604030504040204" pitchFamily="50" charset="-128"/>
+              </a:endParaRPr>
+            </a:p>
+          </p:txBody>
+        </p:sp>
+        <p:sp>
+          <p:nvSpPr>
+            <p:cNvPr id="14" name="正方形/長方形 13"/>
+            <p:cNvSpPr/>
+            <p:nvPr/>
+          </p:nvSpPr>
+          <p:spPr>
+            <a:xfrm>
+              <a:off x="5548184" y="2958805"/>
+              <a:ext cx="432486" cy="525800"/>
+            </a:xfrm>
+            <a:prstGeom prst="rect">
+              <a:avLst/>
+            </a:prstGeom>
+            <a:solidFill>
+              <a:schemeClr val="bg2"/>
+            </a:solidFill>
+            <a:ln>
+              <a:solidFill>
+                <a:schemeClr val="tx1"/>
+              </a:solidFill>
+            </a:ln>
+          </p:spPr>
+          <p:style>
+            <a:lnRef idx="2">
+              <a:schemeClr val="accent1">
+                <a:shade val="50000"/>
+              </a:schemeClr>
+            </a:lnRef>
+            <a:fillRef idx="1">
+              <a:schemeClr val="accent1"/>
+            </a:fillRef>
+            <a:effectRef idx="0">
+              <a:schemeClr val="accent1"/>
+            </a:effectRef>
+            <a:fontRef idx="minor">
+              <a:schemeClr val="lt1"/>
+            </a:fontRef>
+          </p:style>
+          <p:txBody>
+            <a:bodyPr rtlCol="0" anchor="ctr"/>
+            <a:lstStyle/>
+            <a:p>
+              <a:pPr algn="ctr"/>
+              <a:endParaRPr kumimoji="1" lang="ja-JP" altLang="en-US" sz="900">
+                <a:latin typeface="メイリオ" panose="020B0604030504040204" pitchFamily="50" charset="-128"/>
+                <a:ea typeface="メイリオ" panose="020B0604030504040204" pitchFamily="50" charset="-128"/>
+                <a:cs typeface="メイリオ" panose="020B0604030504040204" pitchFamily="50" charset="-128"/>
+              </a:endParaRPr>
+            </a:p>
+          </p:txBody>
+        </p:sp>
+        <p:sp>
+          <p:nvSpPr>
+            <p:cNvPr id="15" name="角丸四角形 14"/>
+            <p:cNvSpPr/>
+            <p:nvPr/>
+          </p:nvSpPr>
+          <p:spPr>
+            <a:xfrm>
+              <a:off x="5983311" y="3079716"/>
+              <a:ext cx="71783" cy="283978"/>
+            </a:xfrm>
+            <a:prstGeom prst="roundRect">
+              <a:avLst>
+                <a:gd name="adj" fmla="val 50000"/>
+              </a:avLst>
+            </a:prstGeom>
+            <a:solidFill>
+              <a:schemeClr val="bg2">
+                <a:lumMod val="50000"/>
+              </a:schemeClr>
+            </a:solidFill>
+            <a:ln>
+              <a:solidFill>
+                <a:schemeClr val="tx1"/>
+              </a:solidFill>
+            </a:ln>
+          </p:spPr>
+          <p:style>
+            <a:lnRef idx="2">
+              <a:schemeClr val="accent1">
+                <a:shade val="50000"/>
+              </a:schemeClr>
+            </a:lnRef>
+            <a:fillRef idx="1">
+              <a:schemeClr val="accent1"/>
+            </a:fillRef>
+            <a:effectRef idx="0">
+              <a:schemeClr val="accent1"/>
+            </a:effectRef>
+            <a:fontRef idx="minor">
+              <a:schemeClr val="lt1"/>
+            </a:fontRef>
+          </p:style>
+          <p:txBody>
+            <a:bodyPr rtlCol="0" anchor="ctr"/>
+            <a:lstStyle/>
+            <a:p>
+              <a:pPr algn="ctr"/>
+              <a:endParaRPr kumimoji="1" lang="ja-JP" altLang="en-US" sz="900" dirty="0">
+                <a:latin typeface="メイリオ" panose="020B0604030504040204" pitchFamily="50" charset="-128"/>
+                <a:ea typeface="メイリオ" panose="020B0604030504040204" pitchFamily="50" charset="-128"/>
+                <a:cs typeface="メイリオ" panose="020B0604030504040204" pitchFamily="50" charset="-128"/>
+              </a:endParaRPr>
+            </a:p>
+          </p:txBody>
+        </p:sp>
+      </p:grpSp>
+      <p:cxnSp>
+        <p:nvCxnSpPr>
+          <p:cNvPr id="16" name="直線矢印コネクタ 15"/>
+          <p:cNvCxnSpPr/>
+          <p:nvPr/>
+        </p:nvCxnSpPr>
+        <p:spPr>
+          <a:xfrm flipV="1">
+            <a:off x="4092051" y="2959331"/>
+            <a:ext cx="0" cy="1056564"/>
+          </a:xfrm>
+          <a:prstGeom prst="straightConnector1">
+            <a:avLst/>
+          </a:prstGeom>
+          <a:ln w="88900">
+            <a:solidFill>
+              <a:schemeClr val="accent4"/>
+            </a:solidFill>
+            <a:tailEnd type="triangle"/>
+          </a:ln>
+        </p:spPr>
+        <p:style>
+          <a:lnRef idx="1">
+            <a:schemeClr val="accent1"/>
+          </a:lnRef>
+          <a:fillRef idx="0">
+            <a:schemeClr val="accent1"/>
+          </a:fillRef>
+          <a:effectRef idx="0">
+            <a:schemeClr val="accent1"/>
+          </a:effectRef>
+          <a:fontRef idx="minor">
+            <a:schemeClr val="tx1"/>
+          </a:fontRef>
+        </p:style>
+      </p:cxnSp>
+      <p:cxnSp>
+        <p:nvCxnSpPr>
+          <p:cNvPr id="17" name="直線矢印コネクタ 16"/>
+          <p:cNvCxnSpPr/>
+          <p:nvPr/>
+        </p:nvCxnSpPr>
+        <p:spPr>
+          <a:xfrm flipH="1" flipV="1">
+            <a:off x="3922244" y="2959331"/>
+            <a:ext cx="169808" cy="1056564"/>
+          </a:xfrm>
+          <a:prstGeom prst="straightConnector1">
+            <a:avLst/>
+          </a:prstGeom>
+          <a:ln w="88900">
+            <a:solidFill>
+              <a:srgbClr val="00B0F0"/>
+            </a:solidFill>
+            <a:tailEnd type="triangle"/>
+          </a:ln>
+        </p:spPr>
+        <p:style>
+          <a:lnRef idx="1">
+            <a:schemeClr val="accent1"/>
+          </a:lnRef>
+          <a:fillRef idx="0">
+            <a:schemeClr val="accent1"/>
+          </a:fillRef>
+          <a:effectRef idx="0">
+            <a:schemeClr val="accent1"/>
+          </a:effectRef>
+          <a:fontRef idx="minor">
+            <a:schemeClr val="tx1"/>
+          </a:fontRef>
+        </p:style>
+      </p:cxnSp>
+      <p:sp>
+        <p:nvSpPr>
+          <p:cNvPr id="18" name="テキスト ボックス 17"/>
+          <p:cNvSpPr txBox="1"/>
+          <p:nvPr/>
+        </p:nvSpPr>
+        <p:spPr>
+          <a:xfrm>
+            <a:off x="2408311" y="5652281"/>
+            <a:ext cx="1903391" cy="307777"/>
+          </a:xfrm>
+          <a:prstGeom prst="rect">
+            <a:avLst/>
+          </a:prstGeom>
+          <a:noFill/>
+        </p:spPr>
+        <p:txBody>
+          <a:bodyPr wrap="square" rtlCol="0">
+            <a:spAutoFit/>
+          </a:bodyPr>
+          <a:lstStyle/>
+          <a:p>
+            <a:r>
+              <a:rPr lang="ja-JP" altLang="en-US" sz="700" dirty="0" smtClean="0">
+                <a:solidFill>
+                  <a:srgbClr val="0070C0"/>
+                </a:solidFill>
+                <a:latin typeface="メイリオ" panose="020B0604030504040204" pitchFamily="50" charset="-128"/>
+                <a:ea typeface="メイリオ" panose="020B0604030504040204" pitchFamily="50" charset="-128"/>
+                <a:cs typeface="メイリオ" panose="020B0604030504040204" pitchFamily="50" charset="-128"/>
+              </a:rPr>
+              <a:t>微小時間ごとに向きを検知し、</a:t>
+            </a:r>
+            <a:r>
+              <a:rPr lang="en-US" altLang="ja-JP" sz="700" dirty="0" smtClean="0">
+                <a:solidFill>
+                  <a:srgbClr val="0070C0"/>
+                </a:solidFill>
+                <a:latin typeface="メイリオ" panose="020B0604030504040204" pitchFamily="50" charset="-128"/>
+                <a:ea typeface="メイリオ" panose="020B0604030504040204" pitchFamily="50" charset="-128"/>
+                <a:cs typeface="メイリオ" panose="020B0604030504040204" pitchFamily="50" charset="-128"/>
+              </a:rPr>
+              <a:t/>
+            </a:r>
+            <a:br>
+              <a:rPr lang="en-US" altLang="ja-JP" sz="700" dirty="0" smtClean="0">
+                <a:solidFill>
+                  <a:srgbClr val="0070C0"/>
+                </a:solidFill>
+                <a:latin typeface="メイリオ" panose="020B0604030504040204" pitchFamily="50" charset="-128"/>
+                <a:ea typeface="メイリオ" panose="020B0604030504040204" pitchFamily="50" charset="-128"/>
+                <a:cs typeface="メイリオ" panose="020B0604030504040204" pitchFamily="50" charset="-128"/>
+              </a:rPr>
+            </a:br>
+            <a:r>
+              <a:rPr lang="ja-JP" altLang="en-US" sz="700" dirty="0" smtClean="0">
+                <a:solidFill>
+                  <a:srgbClr val="0070C0"/>
+                </a:solidFill>
+                <a:latin typeface="メイリオ" panose="020B0604030504040204" pitchFamily="50" charset="-128"/>
+                <a:ea typeface="メイリオ" panose="020B0604030504040204" pitchFamily="50" charset="-128"/>
+                <a:cs typeface="メイリオ" panose="020B0604030504040204" pitchFamily="50" charset="-128"/>
+              </a:rPr>
+              <a:t>ズレを打ち消すように走行を補正する</a:t>
+            </a:r>
+            <a:endParaRPr kumimoji="1" lang="ja-JP" altLang="en-US" sz="700" dirty="0">
+              <a:solidFill>
+                <a:srgbClr val="0070C0"/>
+              </a:solidFill>
+              <a:latin typeface="メイリオ" panose="020B0604030504040204" pitchFamily="50" charset="-128"/>
+              <a:ea typeface="メイリオ" panose="020B0604030504040204" pitchFamily="50" charset="-128"/>
+              <a:cs typeface="メイリオ" panose="020B0604030504040204" pitchFamily="50" charset="-128"/>
+            </a:endParaRPr>
+          </a:p>
+        </p:txBody>
+      </p:sp>
+      <p:cxnSp>
+        <p:nvCxnSpPr>
+          <p:cNvPr id="19" name="直線コネクタ 18"/>
+          <p:cNvCxnSpPr/>
+          <p:nvPr/>
+        </p:nvCxnSpPr>
+        <p:spPr>
+          <a:xfrm>
+            <a:off x="4556259" y="4744640"/>
+            <a:ext cx="0" cy="1343314"/>
+          </a:xfrm>
+          <a:prstGeom prst="line">
+            <a:avLst/>
+          </a:prstGeom>
+          <a:ln w="241300">
+            <a:solidFill>
+              <a:schemeClr val="tx1"/>
+            </a:solidFill>
+          </a:ln>
+        </p:spPr>
+        <p:style>
+          <a:lnRef idx="1">
+            <a:schemeClr val="accent1"/>
+          </a:lnRef>
+          <a:fillRef idx="0">
+            <a:schemeClr val="accent1"/>
+          </a:fillRef>
+          <a:effectRef idx="0">
+            <a:schemeClr val="accent1"/>
+          </a:effectRef>
+          <a:fontRef idx="minor">
+            <a:schemeClr val="tx1"/>
+          </a:fontRef>
+        </p:style>
+      </p:cxnSp>
+      <p:grpSp>
+        <p:nvGrpSpPr>
+          <p:cNvPr id="20" name="グループ化 19"/>
+          <p:cNvGrpSpPr/>
+          <p:nvPr/>
+        </p:nvGrpSpPr>
+        <p:grpSpPr>
+          <a:xfrm rot="10800000">
+            <a:off x="4200428" y="5801204"/>
+            <a:ext cx="702882" cy="638637"/>
+            <a:chOff x="5476401" y="2958805"/>
+            <a:chExt cx="578693" cy="525800"/>
+          </a:xfrm>
+        </p:grpSpPr>
+        <p:sp>
+          <p:nvSpPr>
+            <p:cNvPr id="21" name="角丸四角形 20"/>
+            <p:cNvSpPr/>
+            <p:nvPr/>
+          </p:nvSpPr>
+          <p:spPr>
+            <a:xfrm>
+              <a:off x="5476401" y="3079716"/>
+              <a:ext cx="71783" cy="283978"/>
+            </a:xfrm>
+            <a:prstGeom prst="roundRect">
+              <a:avLst>
+                <a:gd name="adj" fmla="val 50000"/>
+              </a:avLst>
+            </a:prstGeom>
+            <a:solidFill>
+              <a:schemeClr val="bg2">
+                <a:lumMod val="50000"/>
+              </a:schemeClr>
+            </a:solidFill>
+            <a:ln>
+              <a:solidFill>
+                <a:schemeClr val="tx1"/>
+              </a:solidFill>
+            </a:ln>
+          </p:spPr>
+          <p:style>
+            <a:lnRef idx="2">
+              <a:schemeClr val="accent1">
+                <a:shade val="50000"/>
+              </a:schemeClr>
+            </a:lnRef>
+            <a:fillRef idx="1">
+              <a:schemeClr val="accent1"/>
+            </a:fillRef>
+            <a:effectRef idx="0">
+              <a:schemeClr val="accent1"/>
+            </a:effectRef>
+            <a:fontRef idx="minor">
+              <a:schemeClr val="lt1"/>
+            </a:fontRef>
+          </p:style>
+          <p:txBody>
+            <a:bodyPr rtlCol="0" anchor="ctr"/>
+            <a:lstStyle/>
+            <a:p>
+              <a:pPr algn="ctr"/>
+              <a:endParaRPr kumimoji="1" lang="ja-JP" altLang="en-US" sz="900" dirty="0">
+                <a:latin typeface="メイリオ" panose="020B0604030504040204" pitchFamily="50" charset="-128"/>
+                <a:ea typeface="メイリオ" panose="020B0604030504040204" pitchFamily="50" charset="-128"/>
+                <a:cs typeface="メイリオ" panose="020B0604030504040204" pitchFamily="50" charset="-128"/>
+              </a:endParaRPr>
+            </a:p>
+          </p:txBody>
+        </p:sp>
+        <p:sp>
+          <p:nvSpPr>
+            <p:cNvPr id="22" name="正方形/長方形 21"/>
+            <p:cNvSpPr/>
+            <p:nvPr/>
+          </p:nvSpPr>
+          <p:spPr>
+            <a:xfrm>
+              <a:off x="5548184" y="2958805"/>
+              <a:ext cx="432486" cy="525800"/>
+            </a:xfrm>
+            <a:prstGeom prst="rect">
+              <a:avLst/>
+            </a:prstGeom>
+            <a:solidFill>
+              <a:schemeClr val="bg2"/>
+            </a:solidFill>
+            <a:ln>
+              <a:solidFill>
+                <a:schemeClr val="tx1"/>
+              </a:solidFill>
+            </a:ln>
+          </p:spPr>
+          <p:style>
+            <a:lnRef idx="2">
+              <a:schemeClr val="accent1">
+                <a:shade val="50000"/>
+              </a:schemeClr>
+            </a:lnRef>
+            <a:fillRef idx="1">
+              <a:schemeClr val="accent1"/>
+            </a:fillRef>
+            <a:effectRef idx="0">
+              <a:schemeClr val="accent1"/>
+            </a:effectRef>
+            <a:fontRef idx="minor">
+              <a:schemeClr val="lt1"/>
+            </a:fontRef>
+          </p:style>
+          <p:txBody>
+            <a:bodyPr rtlCol="0" anchor="ctr"/>
+            <a:lstStyle/>
+            <a:p>
+              <a:pPr algn="ctr"/>
+              <a:endParaRPr kumimoji="1" lang="ja-JP" altLang="en-US" sz="900">
+                <a:latin typeface="メイリオ" panose="020B0604030504040204" pitchFamily="50" charset="-128"/>
+                <a:ea typeface="メイリオ" panose="020B0604030504040204" pitchFamily="50" charset="-128"/>
+                <a:cs typeface="メイリオ" panose="020B0604030504040204" pitchFamily="50" charset="-128"/>
+              </a:endParaRPr>
+            </a:p>
+          </p:txBody>
+        </p:sp>
+        <p:sp>
+          <p:nvSpPr>
+            <p:cNvPr id="23" name="角丸四角形 22"/>
+            <p:cNvSpPr/>
+            <p:nvPr/>
+          </p:nvSpPr>
+          <p:spPr>
+            <a:xfrm>
+              <a:off x="5983311" y="3079716"/>
+              <a:ext cx="71783" cy="283978"/>
+            </a:xfrm>
+            <a:prstGeom prst="roundRect">
+              <a:avLst>
+                <a:gd name="adj" fmla="val 50000"/>
+              </a:avLst>
+            </a:prstGeom>
+            <a:solidFill>
+              <a:schemeClr val="bg2">
+                <a:lumMod val="50000"/>
+              </a:schemeClr>
+            </a:solidFill>
+            <a:ln>
+              <a:solidFill>
+                <a:schemeClr val="tx1"/>
+              </a:solidFill>
+            </a:ln>
+          </p:spPr>
+          <p:style>
+            <a:lnRef idx="2">
+              <a:schemeClr val="accent1">
+                <a:shade val="50000"/>
+              </a:schemeClr>
+            </a:lnRef>
+            <a:fillRef idx="1">
+              <a:schemeClr val="accent1"/>
+            </a:fillRef>
+            <a:effectRef idx="0">
+              <a:schemeClr val="accent1"/>
+            </a:effectRef>
+            <a:fontRef idx="minor">
+              <a:schemeClr val="lt1"/>
+            </a:fontRef>
+          </p:style>
+          <p:txBody>
+            <a:bodyPr rtlCol="0" anchor="ctr"/>
+            <a:lstStyle/>
+            <a:p>
+              <a:pPr algn="ctr"/>
+              <a:endParaRPr kumimoji="1" lang="ja-JP" altLang="en-US" sz="900" dirty="0">
+                <a:latin typeface="メイリオ" panose="020B0604030504040204" pitchFamily="50" charset="-128"/>
+                <a:ea typeface="メイリオ" panose="020B0604030504040204" pitchFamily="50" charset="-128"/>
+                <a:cs typeface="メイリオ" panose="020B0604030504040204" pitchFamily="50" charset="-128"/>
+              </a:endParaRPr>
+            </a:p>
+          </p:txBody>
+        </p:sp>
+      </p:grpSp>
+      <p:cxnSp>
+        <p:nvCxnSpPr>
+          <p:cNvPr id="24" name="直線矢印コネクタ 23"/>
+          <p:cNvCxnSpPr/>
+          <p:nvPr/>
+        </p:nvCxnSpPr>
+        <p:spPr>
+          <a:xfrm flipV="1">
+            <a:off x="4563912" y="4744640"/>
+            <a:ext cx="0" cy="1056564"/>
+          </a:xfrm>
+          <a:prstGeom prst="straightConnector1">
+            <a:avLst/>
+          </a:prstGeom>
+          <a:ln w="88900">
+            <a:solidFill>
+              <a:schemeClr val="accent4"/>
+            </a:solidFill>
+            <a:tailEnd type="triangle"/>
+          </a:ln>
+        </p:spPr>
+        <p:style>
+          <a:lnRef idx="1">
+            <a:schemeClr val="accent1"/>
+          </a:lnRef>
+          <a:fillRef idx="0">
+            <a:schemeClr val="accent1"/>
+          </a:fillRef>
+          <a:effectRef idx="0">
+            <a:schemeClr val="accent1"/>
+          </a:effectRef>
+          <a:fontRef idx="minor">
+            <a:schemeClr val="tx1"/>
+          </a:fontRef>
+        </p:style>
+      </p:cxnSp>
+      <p:cxnSp>
+        <p:nvCxnSpPr>
+          <p:cNvPr id="25" name="直線矢印コネクタ 24"/>
+          <p:cNvCxnSpPr/>
+          <p:nvPr/>
+        </p:nvCxnSpPr>
+        <p:spPr>
+          <a:xfrm flipH="1" flipV="1">
+            <a:off x="4434235" y="5188251"/>
+            <a:ext cx="133675" cy="607852"/>
+          </a:xfrm>
+          <a:prstGeom prst="straightConnector1">
+            <a:avLst/>
+          </a:prstGeom>
+          <a:ln w="88900">
+            <a:solidFill>
+              <a:srgbClr val="92D050"/>
+            </a:solidFill>
+            <a:tailEnd type="triangle"/>
+          </a:ln>
+        </p:spPr>
+        <p:style>
+          <a:lnRef idx="1">
+            <a:schemeClr val="accent1"/>
+          </a:lnRef>
+          <a:fillRef idx="0">
+            <a:schemeClr val="accent1"/>
+          </a:fillRef>
+          <a:effectRef idx="0">
+            <a:schemeClr val="accent1"/>
+          </a:effectRef>
+          <a:fontRef idx="minor">
+            <a:schemeClr val="tx1"/>
+          </a:fontRef>
+        </p:style>
+      </p:cxnSp>
+      <p:cxnSp>
+        <p:nvCxnSpPr>
+          <p:cNvPr id="26" name="直線矢印コネクタ 25"/>
+          <p:cNvCxnSpPr/>
+          <p:nvPr/>
+        </p:nvCxnSpPr>
+        <p:spPr>
+          <a:xfrm flipV="1">
+            <a:off x="4444645" y="4781407"/>
+            <a:ext cx="103961" cy="421209"/>
+          </a:xfrm>
+          <a:prstGeom prst="straightConnector1">
+            <a:avLst/>
+          </a:prstGeom>
+          <a:ln w="88900">
+            <a:solidFill>
+              <a:srgbClr val="92D050"/>
+            </a:solidFill>
+            <a:tailEnd type="triangle"/>
+          </a:ln>
+        </p:spPr>
+        <p:style>
+          <a:lnRef idx="1">
+            <a:schemeClr val="accent1"/>
+          </a:lnRef>
+          <a:fillRef idx="0">
+            <a:schemeClr val="accent1"/>
+          </a:fillRef>
+          <a:effectRef idx="0">
+            <a:schemeClr val="accent1"/>
+          </a:effectRef>
+          <a:fontRef idx="minor">
+            <a:schemeClr val="tx1"/>
+          </a:fontRef>
+        </p:style>
+      </p:cxnSp>
+      <p:sp>
+        <p:nvSpPr>
+          <p:cNvPr id="27" name="テキスト ボックス 26"/>
+          <p:cNvSpPr txBox="1"/>
+          <p:nvPr/>
+        </p:nvSpPr>
+        <p:spPr>
+          <a:xfrm>
+            <a:off x="2472924" y="3854162"/>
+            <a:ext cx="1261884" cy="200055"/>
+          </a:xfrm>
+          <a:prstGeom prst="rect">
+            <a:avLst/>
+          </a:prstGeom>
+          <a:noFill/>
+        </p:spPr>
+        <p:txBody>
+          <a:bodyPr wrap="none" rtlCol="0">
+            <a:spAutoFit/>
+          </a:bodyPr>
+          <a:lstStyle/>
+          <a:p>
+            <a:r>
+              <a:rPr lang="ja-JP" altLang="en-US" sz="700" dirty="0" smtClean="0">
+                <a:solidFill>
+                  <a:srgbClr val="FF0000"/>
+                </a:solidFill>
+                <a:latin typeface="メイリオ" panose="020B0604030504040204" pitchFamily="50" charset="-128"/>
+                <a:ea typeface="メイリオ" panose="020B0604030504040204" pitchFamily="50" charset="-128"/>
+                <a:cs typeface="メイリオ" panose="020B0604030504040204" pitchFamily="50" charset="-128"/>
+              </a:rPr>
+              <a:t>このまま走行を続ける場合</a:t>
+            </a:r>
+            <a:endParaRPr kumimoji="1" lang="ja-JP" altLang="en-US" sz="700" dirty="0">
+              <a:solidFill>
+                <a:srgbClr val="FF0000"/>
+              </a:solidFill>
+              <a:latin typeface="メイリオ" panose="020B0604030504040204" pitchFamily="50" charset="-128"/>
+              <a:ea typeface="メイリオ" panose="020B0604030504040204" pitchFamily="50" charset="-128"/>
+              <a:cs typeface="メイリオ" panose="020B0604030504040204" pitchFamily="50" charset="-128"/>
+            </a:endParaRPr>
+          </a:p>
+        </p:txBody>
+      </p:sp>
+      <p:sp>
+        <p:nvSpPr>
+          <p:cNvPr id="28" name="四角形吹き出し 27"/>
+          <p:cNvSpPr/>
+          <p:nvPr/>
+        </p:nvSpPr>
+        <p:spPr>
+          <a:xfrm>
+            <a:off x="4387855" y="3086682"/>
+            <a:ext cx="744390" cy="336806"/>
+          </a:xfrm>
+          <a:prstGeom prst="wedgeRectCallout">
+            <a:avLst>
+              <a:gd name="adj1" fmla="val -93278"/>
+              <a:gd name="adj2" fmla="val 40790"/>
+            </a:avLst>
+          </a:prstGeom>
+          <a:solidFill>
+            <a:schemeClr val="bg1"/>
+          </a:solidFill>
+        </p:spPr>
+        <p:style>
+          <a:lnRef idx="2">
+            <a:schemeClr val="accent1">
+              <a:shade val="50000"/>
+            </a:schemeClr>
+          </a:lnRef>
+          <a:fillRef idx="1">
+            <a:schemeClr val="accent1"/>
+          </a:fillRef>
+          <a:effectRef idx="0">
+            <a:schemeClr val="accent1"/>
+          </a:effectRef>
+          <a:fontRef idx="minor">
+            <a:schemeClr val="lt1"/>
+          </a:fontRef>
+        </p:style>
+        <p:txBody>
+          <a:bodyPr rtlCol="0" anchor="ctr"/>
+          <a:lstStyle/>
+          <a:p>
+            <a:pPr algn="ctr"/>
+            <a:r>
+              <a:rPr kumimoji="1" lang="ja-JP" altLang="en-US" sz="800" dirty="0" smtClean="0">
+                <a:solidFill>
+                  <a:schemeClr val="tx1"/>
+                </a:solidFill>
+                <a:latin typeface="メイリオ" panose="020B0604030504040204" pitchFamily="50" charset="-128"/>
+                <a:ea typeface="メイリオ" panose="020B0604030504040204" pitchFamily="50" charset="-128"/>
+                <a:cs typeface="メイリオ" panose="020B0604030504040204" pitchFamily="50" charset="-128"/>
+              </a:rPr>
+              <a:t>目標の進行方向</a:t>
+            </a:r>
+            <a:endParaRPr kumimoji="1" lang="ja-JP" altLang="en-US" sz="800" dirty="0">
+              <a:solidFill>
+                <a:schemeClr val="tx1"/>
+              </a:solidFill>
+              <a:latin typeface="メイリオ" panose="020B0604030504040204" pitchFamily="50" charset="-128"/>
+              <a:ea typeface="メイリオ" panose="020B0604030504040204" pitchFamily="50" charset="-128"/>
+              <a:cs typeface="メイリオ" panose="020B0604030504040204" pitchFamily="50" charset="-128"/>
+            </a:endParaRPr>
+          </a:p>
+        </p:txBody>
+      </p:sp>
+      <p:sp>
+        <p:nvSpPr>
+          <p:cNvPr id="29" name="四角形吹き出し 28"/>
+          <p:cNvSpPr/>
+          <p:nvPr/>
+        </p:nvSpPr>
+        <p:spPr>
+          <a:xfrm>
+            <a:off x="2936184" y="3143979"/>
+            <a:ext cx="744390" cy="336806"/>
+          </a:xfrm>
+          <a:prstGeom prst="wedgeRectCallout">
+            <a:avLst>
+              <a:gd name="adj1" fmla="val 88443"/>
+              <a:gd name="adj2" fmla="val 13653"/>
+            </a:avLst>
+          </a:prstGeom>
+          <a:solidFill>
+            <a:schemeClr val="bg1"/>
+          </a:solidFill>
+        </p:spPr>
+        <p:style>
+          <a:lnRef idx="2">
+            <a:schemeClr val="accent1">
+              <a:shade val="50000"/>
+            </a:schemeClr>
+          </a:lnRef>
+          <a:fillRef idx="1">
+            <a:schemeClr val="accent1"/>
+          </a:fillRef>
+          <a:effectRef idx="0">
+            <a:schemeClr val="accent1"/>
+          </a:effectRef>
+          <a:fontRef idx="minor">
+            <a:schemeClr val="lt1"/>
+          </a:fontRef>
+        </p:style>
+        <p:txBody>
+          <a:bodyPr rtlCol="0" anchor="ctr"/>
+          <a:lstStyle/>
+          <a:p>
+            <a:pPr algn="ctr"/>
+            <a:r>
+              <a:rPr kumimoji="1" lang="ja-JP" altLang="en-US" sz="800" dirty="0" smtClean="0">
+                <a:solidFill>
+                  <a:schemeClr val="tx1"/>
+                </a:solidFill>
+                <a:latin typeface="メイリオ" panose="020B0604030504040204" pitchFamily="50" charset="-128"/>
+                <a:ea typeface="メイリオ" panose="020B0604030504040204" pitchFamily="50" charset="-128"/>
+                <a:cs typeface="メイリオ" panose="020B0604030504040204" pitchFamily="50" charset="-128"/>
+              </a:rPr>
+              <a:t>実際の進行方向</a:t>
+            </a:r>
+            <a:endParaRPr kumimoji="1" lang="ja-JP" altLang="en-US" sz="800" dirty="0">
+              <a:solidFill>
+                <a:schemeClr val="tx1"/>
+              </a:solidFill>
+              <a:latin typeface="メイリオ" panose="020B0604030504040204" pitchFamily="50" charset="-128"/>
+              <a:ea typeface="メイリオ" panose="020B0604030504040204" pitchFamily="50" charset="-128"/>
+              <a:cs typeface="メイリオ" panose="020B0604030504040204" pitchFamily="50" charset="-128"/>
+            </a:endParaRPr>
+          </a:p>
+        </p:txBody>
+      </p:sp>
+      <p:sp>
+        <p:nvSpPr>
+          <p:cNvPr id="30" name="四角形吹き出し 29"/>
+          <p:cNvSpPr/>
+          <p:nvPr/>
+        </p:nvSpPr>
+        <p:spPr>
+          <a:xfrm>
+            <a:off x="4921401" y="4744640"/>
+            <a:ext cx="744390" cy="336806"/>
+          </a:xfrm>
+          <a:prstGeom prst="wedgeRectCallout">
+            <a:avLst>
+              <a:gd name="adj1" fmla="val -93278"/>
+              <a:gd name="adj2" fmla="val 40790"/>
+            </a:avLst>
+          </a:prstGeom>
+          <a:solidFill>
+            <a:schemeClr val="bg1"/>
+          </a:solidFill>
+        </p:spPr>
+        <p:style>
+          <a:lnRef idx="2">
+            <a:schemeClr val="accent1">
+              <a:shade val="50000"/>
+            </a:schemeClr>
+          </a:lnRef>
+          <a:fillRef idx="1">
+            <a:schemeClr val="accent1"/>
+          </a:fillRef>
+          <a:effectRef idx="0">
+            <a:schemeClr val="accent1"/>
+          </a:effectRef>
+          <a:fontRef idx="minor">
+            <a:schemeClr val="lt1"/>
+          </a:fontRef>
+        </p:style>
+        <p:txBody>
+          <a:bodyPr rtlCol="0" anchor="ctr"/>
+          <a:lstStyle/>
+          <a:p>
+            <a:pPr algn="ctr"/>
+            <a:r>
+              <a:rPr kumimoji="1" lang="ja-JP" altLang="en-US" sz="800" dirty="0" smtClean="0">
+                <a:solidFill>
+                  <a:schemeClr val="tx1"/>
+                </a:solidFill>
+                <a:latin typeface="メイリオ" panose="020B0604030504040204" pitchFamily="50" charset="-128"/>
+                <a:ea typeface="メイリオ" panose="020B0604030504040204" pitchFamily="50" charset="-128"/>
+                <a:cs typeface="メイリオ" panose="020B0604030504040204" pitchFamily="50" charset="-128"/>
+              </a:rPr>
+              <a:t>目標の進行方向</a:t>
+            </a:r>
+            <a:endParaRPr kumimoji="1" lang="ja-JP" altLang="en-US" sz="800" dirty="0">
+              <a:solidFill>
+                <a:schemeClr val="tx1"/>
+              </a:solidFill>
+              <a:latin typeface="メイリオ" panose="020B0604030504040204" pitchFamily="50" charset="-128"/>
+              <a:ea typeface="メイリオ" panose="020B0604030504040204" pitchFamily="50" charset="-128"/>
+              <a:cs typeface="メイリオ" panose="020B0604030504040204" pitchFamily="50" charset="-128"/>
+            </a:endParaRPr>
+          </a:p>
+        </p:txBody>
+      </p:sp>
+      <p:sp>
+        <p:nvSpPr>
+          <p:cNvPr id="31" name="四角形吹き出し 30"/>
+          <p:cNvSpPr/>
+          <p:nvPr/>
+        </p:nvSpPr>
+        <p:spPr>
+          <a:xfrm>
+            <a:off x="3409911" y="4917516"/>
+            <a:ext cx="744390" cy="336806"/>
+          </a:xfrm>
+          <a:prstGeom prst="wedgeRectCallout">
+            <a:avLst>
+              <a:gd name="adj1" fmla="val 88443"/>
+              <a:gd name="adj2" fmla="val 13653"/>
+            </a:avLst>
+          </a:prstGeom>
+          <a:solidFill>
+            <a:schemeClr val="bg1"/>
+          </a:solidFill>
+        </p:spPr>
+        <p:style>
+          <a:lnRef idx="2">
+            <a:schemeClr val="accent1">
+              <a:shade val="50000"/>
+            </a:schemeClr>
+          </a:lnRef>
+          <a:fillRef idx="1">
+            <a:schemeClr val="accent1"/>
+          </a:fillRef>
+          <a:effectRef idx="0">
+            <a:schemeClr val="accent1"/>
+          </a:effectRef>
+          <a:fontRef idx="minor">
+            <a:schemeClr val="lt1"/>
+          </a:fontRef>
+        </p:style>
+        <p:txBody>
+          <a:bodyPr rtlCol="0" anchor="ctr"/>
+          <a:lstStyle/>
+          <a:p>
+            <a:pPr algn="ctr"/>
+            <a:r>
+              <a:rPr kumimoji="1" lang="ja-JP" altLang="en-US" sz="800" dirty="0" smtClean="0">
+                <a:solidFill>
+                  <a:schemeClr val="tx1"/>
+                </a:solidFill>
+                <a:latin typeface="メイリオ" panose="020B0604030504040204" pitchFamily="50" charset="-128"/>
+                <a:ea typeface="メイリオ" panose="020B0604030504040204" pitchFamily="50" charset="-128"/>
+                <a:cs typeface="メイリオ" panose="020B0604030504040204" pitchFamily="50" charset="-128"/>
+              </a:rPr>
+              <a:t>進行方向を補正する</a:t>
+            </a:r>
+            <a:endParaRPr kumimoji="1" lang="ja-JP" altLang="en-US" sz="800" dirty="0">
+              <a:solidFill>
+                <a:schemeClr val="tx1"/>
+              </a:solidFill>
+              <a:latin typeface="メイリオ" panose="020B0604030504040204" pitchFamily="50" charset="-128"/>
+              <a:ea typeface="メイリオ" panose="020B0604030504040204" pitchFamily="50" charset="-128"/>
+              <a:cs typeface="メイリオ" panose="020B0604030504040204" pitchFamily="50" charset="-128"/>
+            </a:endParaRPr>
+          </a:p>
+        </p:txBody>
+      </p:sp>
+      <p:cxnSp>
+        <p:nvCxnSpPr>
+          <p:cNvPr id="32" name="カギ線コネクタ 31"/>
+          <p:cNvCxnSpPr/>
+          <p:nvPr/>
+        </p:nvCxnSpPr>
+        <p:spPr>
+          <a:xfrm>
+            <a:off x="2438898" y="4776935"/>
+            <a:ext cx="1027020" cy="714656"/>
+          </a:xfrm>
+          <a:prstGeom prst="bentConnector3">
+            <a:avLst/>
+          </a:prstGeom>
+          <a:ln w="25400">
+            <a:solidFill>
+              <a:schemeClr val="tx1"/>
+            </a:solidFill>
+            <a:tailEnd type="triangle"/>
+          </a:ln>
+        </p:spPr>
+        <p:style>
+          <a:lnRef idx="1">
+            <a:schemeClr val="accent1"/>
+          </a:lnRef>
+          <a:fillRef idx="0">
+            <a:schemeClr val="accent1"/>
+          </a:fillRef>
+          <a:effectRef idx="0">
+            <a:schemeClr val="accent1"/>
+          </a:effectRef>
+          <a:fontRef idx="minor">
+            <a:schemeClr val="tx1"/>
+          </a:fontRef>
+        </p:style>
+      </p:cxnSp>
+      <p:cxnSp>
+        <p:nvCxnSpPr>
+          <p:cNvPr id="33" name="カギ線コネクタ 32"/>
+          <p:cNvCxnSpPr/>
+          <p:nvPr/>
+        </p:nvCxnSpPr>
+        <p:spPr>
+          <a:xfrm flipV="1">
+            <a:off x="2438898" y="4066751"/>
+            <a:ext cx="1027020" cy="714656"/>
+          </a:xfrm>
+          <a:prstGeom prst="bentConnector3">
+            <a:avLst/>
+          </a:prstGeom>
+          <a:ln w="25400">
+            <a:solidFill>
+              <a:schemeClr val="tx1"/>
+            </a:solidFill>
+            <a:tailEnd type="triangle"/>
+          </a:ln>
+        </p:spPr>
+        <p:style>
+          <a:lnRef idx="1">
+            <a:schemeClr val="accent1"/>
+          </a:lnRef>
+          <a:fillRef idx="0">
+            <a:schemeClr val="accent1"/>
+          </a:fillRef>
+          <a:effectRef idx="0">
+            <a:schemeClr val="accent1"/>
+          </a:effectRef>
+          <a:fontRef idx="minor">
+            <a:schemeClr val="tx1"/>
+          </a:fontRef>
+        </p:style>
+      </p:cxnSp>
+      <p:sp>
+        <p:nvSpPr>
+          <p:cNvPr id="34" name="テキスト ボックス 33"/>
+          <p:cNvSpPr txBox="1"/>
+          <p:nvPr/>
+        </p:nvSpPr>
+        <p:spPr>
+          <a:xfrm>
+            <a:off x="4311702" y="3678110"/>
+            <a:ext cx="1454244" cy="230832"/>
+          </a:xfrm>
+          <a:prstGeom prst="rect">
+            <a:avLst/>
+          </a:prstGeom>
+          <a:noFill/>
+        </p:spPr>
+        <p:txBody>
+          <a:bodyPr wrap="none" rtlCol="0">
+            <a:spAutoFit/>
+          </a:bodyPr>
+          <a:lstStyle/>
+          <a:p>
+            <a:r>
+              <a:rPr lang="ja-JP" altLang="en-US" sz="900" b="1" u="sng" dirty="0" smtClean="0">
+                <a:solidFill>
+                  <a:srgbClr val="FF0000"/>
+                </a:solidFill>
+                <a:latin typeface="メイリオ" panose="020B0604030504040204" pitchFamily="50" charset="-128"/>
+                <a:ea typeface="メイリオ" panose="020B0604030504040204" pitchFamily="50" charset="-128"/>
+                <a:cs typeface="メイリオ" panose="020B0604030504040204" pitchFamily="50" charset="-128"/>
+              </a:rPr>
+              <a:t>目標方向とズレ</a:t>
+            </a:r>
+            <a:r>
+              <a:rPr lang="ja-JP" altLang="en-US" sz="900" b="1" u="sng" dirty="0" err="1" smtClean="0">
+                <a:solidFill>
+                  <a:srgbClr val="FF0000"/>
+                </a:solidFill>
+                <a:latin typeface="メイリオ" panose="020B0604030504040204" pitchFamily="50" charset="-128"/>
+                <a:ea typeface="メイリオ" panose="020B0604030504040204" pitchFamily="50" charset="-128"/>
+                <a:cs typeface="メイリオ" panose="020B0604030504040204" pitchFamily="50" charset="-128"/>
+              </a:rPr>
+              <a:t>て</a:t>
+            </a:r>
+            <a:r>
+              <a:rPr lang="ja-JP" altLang="en-US" sz="900" b="1" u="sng" dirty="0" smtClean="0">
+                <a:solidFill>
+                  <a:srgbClr val="FF0000"/>
+                </a:solidFill>
+                <a:latin typeface="メイリオ" panose="020B0604030504040204" pitchFamily="50" charset="-128"/>
+                <a:ea typeface="メイリオ" panose="020B0604030504040204" pitchFamily="50" charset="-128"/>
+                <a:cs typeface="メイリオ" panose="020B0604030504040204" pitchFamily="50" charset="-128"/>
+              </a:rPr>
+              <a:t>しまう</a:t>
+            </a:r>
+            <a:endParaRPr kumimoji="1" lang="ja-JP" altLang="en-US" sz="900" b="1" u="sng" dirty="0">
+              <a:solidFill>
+                <a:srgbClr val="FF0000"/>
+              </a:solidFill>
+              <a:latin typeface="メイリオ" panose="020B0604030504040204" pitchFamily="50" charset="-128"/>
+              <a:ea typeface="メイリオ" panose="020B0604030504040204" pitchFamily="50" charset="-128"/>
+              <a:cs typeface="メイリオ" panose="020B0604030504040204" pitchFamily="50" charset="-128"/>
+            </a:endParaRPr>
+          </a:p>
+        </p:txBody>
+      </p:sp>
+      <p:sp>
+        <p:nvSpPr>
+          <p:cNvPr id="35" name="テキスト ボックス 34"/>
+          <p:cNvSpPr txBox="1"/>
+          <p:nvPr/>
+        </p:nvSpPr>
+        <p:spPr>
+          <a:xfrm>
+            <a:off x="4796978" y="5513180"/>
+            <a:ext cx="1685077" cy="230832"/>
+          </a:xfrm>
+          <a:prstGeom prst="rect">
+            <a:avLst/>
+          </a:prstGeom>
+          <a:noFill/>
+        </p:spPr>
+        <p:txBody>
+          <a:bodyPr wrap="none" rtlCol="0">
+            <a:spAutoFit/>
+          </a:bodyPr>
+          <a:lstStyle/>
+          <a:p>
+            <a:r>
+              <a:rPr kumimoji="1" lang="ja-JP" altLang="en-US" sz="900" b="1" u="sng" dirty="0" smtClean="0">
+                <a:solidFill>
+                  <a:srgbClr val="0070C0"/>
+                </a:solidFill>
+                <a:latin typeface="メイリオ" panose="020B0604030504040204" pitchFamily="50" charset="-128"/>
+                <a:ea typeface="メイリオ" panose="020B0604030504040204" pitchFamily="50" charset="-128"/>
+                <a:cs typeface="メイリオ" panose="020B0604030504040204" pitchFamily="50" charset="-128"/>
+              </a:rPr>
+              <a:t>目標方向に確実に移動させる</a:t>
+            </a:r>
+            <a:endParaRPr kumimoji="1" lang="ja-JP" altLang="en-US" sz="900" b="1" u="sng" dirty="0">
+              <a:solidFill>
+                <a:srgbClr val="0070C0"/>
+              </a:solidFill>
+              <a:latin typeface="メイリオ" panose="020B0604030504040204" pitchFamily="50" charset="-128"/>
+              <a:ea typeface="メイリオ" panose="020B0604030504040204" pitchFamily="50" charset="-128"/>
+              <a:cs typeface="メイリオ" panose="020B0604030504040204" pitchFamily="50" charset="-128"/>
+            </a:endParaRPr>
+          </a:p>
+        </p:txBody>
+      </p:sp>
+    </p:spTree>
+    <p:extLst>
+      <p:ext uri="{BB962C8B-B14F-4D97-AF65-F5344CB8AC3E}">
+        <p14:creationId xmlns:p14="http://schemas.microsoft.com/office/powerpoint/2010/main" val="3655640870"/>
+      </p:ext>
+    </p:extLst>
+  </p:cSld>
+  <p:clrMapOvr>
+    <a:masterClrMapping/>
+  </p:clrMapOvr>
+</p:sld>
+</file>
+
 <file path=ppt/theme/theme1.xml><?xml version="1.0" encoding="utf-8"?>
 <a:theme xmlns:a="http://schemas.openxmlformats.org/drawingml/2006/main" name="Office テーマ">
   <a:themeElements>
